--- a/data/Group51_Assg3_SearchEngineImpl.pptx
+++ b/data/Group51_Assg3_SearchEngineImpl.pptx
@@ -5,7 +5,7 @@
     <p:sldMasterId id="2147483648" r:id="rId1"/>
   </p:sldMasterIdLst>
   <p:notesMasterIdLst>
-    <p:notesMasterId r:id="rId13"/>
+    <p:notesMasterId r:id="rId14"/>
   </p:notesMasterIdLst>
   <p:sldIdLst>
     <p:sldId id="258" r:id="rId2"/>
@@ -17,8 +17,9 @@
     <p:sldId id="266" r:id="rId8"/>
     <p:sldId id="273" r:id="rId9"/>
     <p:sldId id="270" r:id="rId10"/>
-    <p:sldId id="272" r:id="rId11"/>
-    <p:sldId id="256" r:id="rId12"/>
+    <p:sldId id="274" r:id="rId11"/>
+    <p:sldId id="272" r:id="rId12"/>
+    <p:sldId id="256" r:id="rId13"/>
   </p:sldIdLst>
   <p:sldSz cx="12192000" cy="6858000"/>
   <p:notesSz cx="6858000" cy="9144000"/>
@@ -207,7 +208,7 @@
           <a:p>
             <a:fld id="{9EFB3930-FAD7-4999-AA59-3F2D92CB3C06}" type="datetimeFigureOut">
               <a:rPr lang="en-GB" smtClean="0"/>
-              <a:t>15/04/2022</a:t>
+              <a:t>16/04/2022</a:t>
             </a:fld>
             <a:endParaRPr lang="en-GB"/>
           </a:p>
@@ -708,7 +709,7 @@
           <a:p>
             <a:fld id="{B6A80083-9804-4B15-9C5F-F0B60D9EB39F}" type="datetimeFigureOut">
               <a:rPr lang="en-GB" smtClean="0"/>
-              <a:t>15/04/2022</a:t>
+              <a:t>16/04/2022</a:t>
             </a:fld>
             <a:endParaRPr lang="en-GB"/>
           </a:p>
@@ -908,7 +909,7 @@
           <a:p>
             <a:fld id="{B6A80083-9804-4B15-9C5F-F0B60D9EB39F}" type="datetimeFigureOut">
               <a:rPr lang="en-GB" smtClean="0"/>
-              <a:t>15/04/2022</a:t>
+              <a:t>16/04/2022</a:t>
             </a:fld>
             <a:endParaRPr lang="en-GB"/>
           </a:p>
@@ -1118,7 +1119,7 @@
           <a:p>
             <a:fld id="{B6A80083-9804-4B15-9C5F-F0B60D9EB39F}" type="datetimeFigureOut">
               <a:rPr lang="en-GB" smtClean="0"/>
-              <a:t>15/04/2022</a:t>
+              <a:t>16/04/2022</a:t>
             </a:fld>
             <a:endParaRPr lang="en-GB"/>
           </a:p>
@@ -1318,7 +1319,7 @@
           <a:p>
             <a:fld id="{B6A80083-9804-4B15-9C5F-F0B60D9EB39F}" type="datetimeFigureOut">
               <a:rPr lang="en-GB" smtClean="0"/>
-              <a:t>15/04/2022</a:t>
+              <a:t>16/04/2022</a:t>
             </a:fld>
             <a:endParaRPr lang="en-GB"/>
           </a:p>
@@ -1594,7 +1595,7 @@
           <a:p>
             <a:fld id="{B6A80083-9804-4B15-9C5F-F0B60D9EB39F}" type="datetimeFigureOut">
               <a:rPr lang="en-GB" smtClean="0"/>
-              <a:t>15/04/2022</a:t>
+              <a:t>16/04/2022</a:t>
             </a:fld>
             <a:endParaRPr lang="en-GB"/>
           </a:p>
@@ -1862,7 +1863,7 @@
           <a:p>
             <a:fld id="{B6A80083-9804-4B15-9C5F-F0B60D9EB39F}" type="datetimeFigureOut">
               <a:rPr lang="en-GB" smtClean="0"/>
-              <a:t>15/04/2022</a:t>
+              <a:t>16/04/2022</a:t>
             </a:fld>
             <a:endParaRPr lang="en-GB"/>
           </a:p>
@@ -2277,7 +2278,7 @@
           <a:p>
             <a:fld id="{B6A80083-9804-4B15-9C5F-F0B60D9EB39F}" type="datetimeFigureOut">
               <a:rPr lang="en-GB" smtClean="0"/>
-              <a:t>15/04/2022</a:t>
+              <a:t>16/04/2022</a:t>
             </a:fld>
             <a:endParaRPr lang="en-GB"/>
           </a:p>
@@ -2419,7 +2420,7 @@
           <a:p>
             <a:fld id="{B6A80083-9804-4B15-9C5F-F0B60D9EB39F}" type="datetimeFigureOut">
               <a:rPr lang="en-GB" smtClean="0"/>
-              <a:t>15/04/2022</a:t>
+              <a:t>16/04/2022</a:t>
             </a:fld>
             <a:endParaRPr lang="en-GB"/>
           </a:p>
@@ -2532,7 +2533,7 @@
           <a:p>
             <a:fld id="{B6A80083-9804-4B15-9C5F-F0B60D9EB39F}" type="datetimeFigureOut">
               <a:rPr lang="en-GB" smtClean="0"/>
-              <a:t>15/04/2022</a:t>
+              <a:t>16/04/2022</a:t>
             </a:fld>
             <a:endParaRPr lang="en-GB"/>
           </a:p>
@@ -2845,7 +2846,7 @@
           <a:p>
             <a:fld id="{B6A80083-9804-4B15-9C5F-F0B60D9EB39F}" type="datetimeFigureOut">
               <a:rPr lang="en-GB" smtClean="0"/>
-              <a:t>15/04/2022</a:t>
+              <a:t>16/04/2022</a:t>
             </a:fld>
             <a:endParaRPr lang="en-GB"/>
           </a:p>
@@ -3134,7 +3135,7 @@
           <a:p>
             <a:fld id="{B6A80083-9804-4B15-9C5F-F0B60D9EB39F}" type="datetimeFigureOut">
               <a:rPr lang="en-GB" smtClean="0"/>
-              <a:t>15/04/2022</a:t>
+              <a:t>16/04/2022</a:t>
             </a:fld>
             <a:endParaRPr lang="en-GB"/>
           </a:p>
@@ -3377,7 +3378,7 @@
           <a:p>
             <a:fld id="{B6A80083-9804-4B15-9C5F-F0B60D9EB39F}" type="datetimeFigureOut">
               <a:rPr lang="en-GB" smtClean="0"/>
-              <a:t>15/04/2022</a:t>
+              <a:t>16/04/2022</a:t>
             </a:fld>
             <a:endParaRPr lang="en-GB"/>
           </a:p>
@@ -4105,12 +4106,72 @@
           <a:chExt cx="0" cy="0"/>
         </a:xfrm>
       </p:grpSpPr>
+      <p:sp>
+        <p:nvSpPr>
+          <p:cNvPr id="5" name="TextBox 4">
+            <a:extLst>
+              <a:ext uri="{FF2B5EF4-FFF2-40B4-BE49-F238E27FC236}">
+                <a16:creationId xmlns:a16="http://schemas.microsoft.com/office/drawing/2014/main" id="{A9B57D9E-736F-4CCE-B76E-D6E627DE7FBB}"/>
+              </a:ext>
+            </a:extLst>
+          </p:cNvPr>
+          <p:cNvSpPr txBox="1"/>
+          <p:nvPr/>
+        </p:nvSpPr>
+        <p:spPr>
+          <a:xfrm>
+            <a:off x="1238250" y="620688"/>
+            <a:ext cx="6097464" cy="375552"/>
+          </a:xfrm>
+          <a:prstGeom prst="rect">
+            <a:avLst/>
+          </a:prstGeom>
+          <a:noFill/>
+        </p:spPr>
+        <p:txBody>
+          <a:bodyPr wrap="square">
+            <a:spAutoFit/>
+          </a:bodyPr>
+          <a:lstStyle/>
+          <a:p>
+            <a:pPr lvl="0" algn="just">
+              <a:lnSpc>
+                <a:spcPct val="107000"/>
+              </a:lnSpc>
+              <a:spcBef>
+                <a:spcPts val="1200"/>
+              </a:spcBef>
+            </a:pPr>
+            <a:r>
+              <a:rPr lang="en-GB" sz="1800" b="1" u="sng" kern="0" dirty="0">
+                <a:solidFill>
+                  <a:srgbClr val="2F5496"/>
+                </a:solidFill>
+                <a:effectLst/>
+                <a:latin typeface="Calibri Light" panose="020F0302020204030204" pitchFamily="34" charset="0"/>
+                <a:ea typeface="Times New Roman" panose="02020603050405020304" pitchFamily="18" charset="0"/>
+                <a:cs typeface="Times New Roman" panose="02020603050405020304" pitchFamily="18" charset="0"/>
+              </a:rPr>
+              <a:t>IMPROVEMENTS</a:t>
+            </a:r>
+            <a:endParaRPr lang="en-GB" sz="1800" b="1" kern="0" dirty="0">
+              <a:solidFill>
+                <a:srgbClr val="2F5496"/>
+              </a:solidFill>
+              <a:effectLst/>
+              <a:latin typeface="Calibri Light" panose="020F0302020204030204" pitchFamily="34" charset="0"/>
+              <a:ea typeface="Times New Roman" panose="02020603050405020304" pitchFamily="18" charset="0"/>
+              <a:cs typeface="Times New Roman" panose="02020603050405020304" pitchFamily="18" charset="0"/>
+            </a:endParaRPr>
+          </a:p>
+        </p:txBody>
+      </p:sp>
       <p:cxnSp>
         <p:nvCxnSpPr>
-          <p:cNvPr id="5" name="Straight Connector 4">
-            <a:extLst>
-              <a:ext uri="{FF2B5EF4-FFF2-40B4-BE49-F238E27FC236}">
-                <a16:creationId xmlns:a16="http://schemas.microsoft.com/office/drawing/2014/main" id="{F77FF212-308A-4810-9E92-956F425AF475}"/>
+          <p:cNvPr id="6" name="Straight Connector 5">
+            <a:extLst>
+              <a:ext uri="{FF2B5EF4-FFF2-40B4-BE49-F238E27FC236}">
+                <a16:creationId xmlns:a16="http://schemas.microsoft.com/office/drawing/2014/main" id="{5714E015-3625-4147-A393-C43F1128D79B}"/>
               </a:ext>
             </a:extLst>
           </p:cNvPr>
@@ -4121,7 +4182,7 @@
         </p:nvCxnSpPr>
         <p:spPr>
           <a:xfrm flipH="1">
-            <a:off x="1238250" y="1196752"/>
+            <a:off x="1238250" y="1052736"/>
             <a:ext cx="10953750" cy="0"/>
           </a:xfrm>
           <a:prstGeom prst="line">
@@ -4150,6 +4211,197 @@
       </p:cxnSp>
       <p:sp>
         <p:nvSpPr>
+          <p:cNvPr id="8" name="TextBox 7">
+            <a:extLst>
+              <a:ext uri="{FF2B5EF4-FFF2-40B4-BE49-F238E27FC236}">
+                <a16:creationId xmlns:a16="http://schemas.microsoft.com/office/drawing/2014/main" id="{5F92898B-3B2C-441A-8F3D-D2B041FB26FD}"/>
+              </a:ext>
+            </a:extLst>
+          </p:cNvPr>
+          <p:cNvSpPr txBox="1"/>
+          <p:nvPr/>
+        </p:nvSpPr>
+        <p:spPr>
+          <a:xfrm>
+            <a:off x="1127449" y="1484784"/>
+            <a:ext cx="10009111" cy="2862322"/>
+          </a:xfrm>
+          <a:prstGeom prst="rect">
+            <a:avLst/>
+          </a:prstGeom>
+          <a:noFill/>
+        </p:spPr>
+        <p:txBody>
+          <a:bodyPr wrap="square" rtlCol="0">
+            <a:spAutoFit/>
+          </a:bodyPr>
+          <a:lstStyle/>
+          <a:p>
+            <a:pPr marL="285750" indent="-285750">
+              <a:buFont typeface="Arial" panose="020B0604020202020204" pitchFamily="34" charset="0"/>
+              <a:buChar char="•"/>
+            </a:pPr>
+            <a:r>
+              <a:rPr lang="en-US" b="1" dirty="0"/>
+              <a:t>Indexing</a:t>
+            </a:r>
+            <a:r>
+              <a:rPr lang="en-US" dirty="0"/>
+              <a:t>: Merge document processing and Indexing rather than having two separate steps.</a:t>
+            </a:r>
+          </a:p>
+          <a:p>
+            <a:endParaRPr lang="en-US" dirty="0"/>
+          </a:p>
+          <a:p>
+            <a:pPr marL="285750" indent="-285750">
+              <a:buFont typeface="Arial" panose="020B0604020202020204" pitchFamily="34" charset="0"/>
+              <a:buChar char="•"/>
+            </a:pPr>
+            <a:r>
+              <a:rPr lang="en-US" b="1" dirty="0"/>
+              <a:t>Custom Analyzer: </a:t>
+            </a:r>
+            <a:r>
+              <a:rPr lang="en-US" dirty="0"/>
+              <a:t>Custom tokenizer and multiple token filter could be implemented.</a:t>
+            </a:r>
+          </a:p>
+          <a:p>
+            <a:endParaRPr lang="en-US" dirty="0"/>
+          </a:p>
+          <a:p>
+            <a:pPr marL="285750" indent="-285750">
+              <a:buFont typeface="Arial" panose="020B0604020202020204" pitchFamily="34" charset="0"/>
+              <a:buChar char="•"/>
+            </a:pPr>
+            <a:r>
+              <a:rPr lang="en-US" b="1" dirty="0"/>
+              <a:t>Evaluation/Validation</a:t>
+            </a:r>
+            <a:r>
+              <a:rPr lang="en-US" dirty="0"/>
+              <a:t>: Investigation on current model. </a:t>
+            </a:r>
+          </a:p>
+          <a:p>
+            <a:pPr marL="1028700" lvl="2" indent="-285750" algn="just">
+              <a:buFontTx/>
+              <a:buChar char="-"/>
+            </a:pPr>
+            <a:r>
+              <a:rPr lang="en-US" kern="0" dirty="0">
+                <a:ea typeface="Times New Roman" panose="02020603050405020304" pitchFamily="18" charset="0"/>
+                <a:cs typeface="Times New Roman" panose="02020603050405020304" pitchFamily="18" charset="0"/>
+              </a:rPr>
+              <a:t>Appropriate Similarity measure to use.</a:t>
+            </a:r>
+          </a:p>
+          <a:p>
+            <a:pPr marL="1028700" lvl="2" indent="-285750" algn="just">
+              <a:buFontTx/>
+              <a:buChar char="-"/>
+            </a:pPr>
+            <a:r>
+              <a:rPr lang="en-US" kern="0" dirty="0">
+                <a:ea typeface="Times New Roman" panose="02020603050405020304" pitchFamily="18" charset="0"/>
+                <a:cs typeface="Times New Roman" panose="02020603050405020304" pitchFamily="18" charset="0"/>
+              </a:rPr>
+              <a:t>Analyzer(Tokenizer and Token Filter) used to index and search for text retrieval pertaining to clinical linguistic data.</a:t>
+            </a:r>
+            <a:endParaRPr lang="en-GB" kern="0" dirty="0">
+              <a:effectLst/>
+              <a:ea typeface="Times New Roman" panose="02020603050405020304" pitchFamily="18" charset="0"/>
+              <a:cs typeface="Times New Roman" panose="02020603050405020304" pitchFamily="18" charset="0"/>
+            </a:endParaRPr>
+          </a:p>
+          <a:p>
+            <a:pPr marL="285750" indent="-285750">
+              <a:buFont typeface="Arial" panose="020B0604020202020204" pitchFamily="34" charset="0"/>
+              <a:buChar char="•"/>
+            </a:pPr>
+            <a:endParaRPr lang="en-US" dirty="0"/>
+          </a:p>
+          <a:p>
+            <a:endParaRPr lang="en-GB" dirty="0"/>
+          </a:p>
+        </p:txBody>
+      </p:sp>
+    </p:spTree>
+    <p:extLst>
+      <p:ext uri="{BB962C8B-B14F-4D97-AF65-F5344CB8AC3E}">
+        <p14:creationId xmlns:p14="http://schemas.microsoft.com/office/powerpoint/2010/main" val="2109030878"/>
+      </p:ext>
+    </p:extLst>
+  </p:cSld>
+  <p:clrMapOvr>
+    <a:masterClrMapping/>
+  </p:clrMapOvr>
+</p:sld>
+</file>
+
+<file path=ppt/slides/slide11.xml><?xml version="1.0" encoding="utf-8"?>
+<p:sld xmlns:a="http://schemas.openxmlformats.org/drawingml/2006/main" xmlns:r="http://schemas.openxmlformats.org/officeDocument/2006/relationships" xmlns:p="http://schemas.openxmlformats.org/presentationml/2006/main">
+  <p:cSld>
+    <p:spTree>
+      <p:nvGrpSpPr>
+        <p:cNvPr id="1" name=""/>
+        <p:cNvGrpSpPr/>
+        <p:nvPr/>
+      </p:nvGrpSpPr>
+      <p:grpSpPr>
+        <a:xfrm>
+          <a:off x="0" y="0"/>
+          <a:ext cx="0" cy="0"/>
+          <a:chOff x="0" y="0"/>
+          <a:chExt cx="0" cy="0"/>
+        </a:xfrm>
+      </p:grpSpPr>
+      <p:cxnSp>
+        <p:nvCxnSpPr>
+          <p:cNvPr id="5" name="Straight Connector 4">
+            <a:extLst>
+              <a:ext uri="{FF2B5EF4-FFF2-40B4-BE49-F238E27FC236}">
+                <a16:creationId xmlns:a16="http://schemas.microsoft.com/office/drawing/2014/main" id="{F77FF212-308A-4810-9E92-956F425AF475}"/>
+              </a:ext>
+            </a:extLst>
+          </p:cNvPr>
+          <p:cNvCxnSpPr>
+            <a:cxnSpLocks/>
+          </p:cNvCxnSpPr>
+          <p:nvPr/>
+        </p:nvCxnSpPr>
+        <p:spPr>
+          <a:xfrm flipH="1">
+            <a:off x="1238250" y="1196752"/>
+            <a:ext cx="10953750" cy="0"/>
+          </a:xfrm>
+          <a:prstGeom prst="line">
+            <a:avLst/>
+          </a:prstGeom>
+          <a:ln w="76200">
+            <a:solidFill>
+              <a:srgbClr val="00B0F0"/>
+            </a:solidFill>
+          </a:ln>
+        </p:spPr>
+        <p:style>
+          <a:lnRef idx="1">
+            <a:schemeClr val="accent1"/>
+          </a:lnRef>
+          <a:fillRef idx="0">
+            <a:schemeClr val="accent1"/>
+          </a:fillRef>
+          <a:effectRef idx="0">
+            <a:schemeClr val="accent1"/>
+          </a:effectRef>
+          <a:fontRef idx="minor">
+            <a:schemeClr val="tx1"/>
+          </a:fontRef>
+        </p:style>
+      </p:cxnSp>
+      <p:sp>
+        <p:nvSpPr>
           <p:cNvPr id="6" name="Footer Placeholder 8">
             <a:extLst>
               <a:ext uri="{FF2B5EF4-FFF2-40B4-BE49-F238E27FC236}">
@@ -4212,7 +4464,7 @@
           <a:p>
             <a:r>
               <a:rPr lang="en-US" dirty="0"/>
-              <a:t>and Thank You.</a:t>
+              <a:t>Thank You.</a:t>
             </a:r>
           </a:p>
           <a:p>
@@ -4299,7 +4551,7 @@
 </p:sld>
 </file>
 
-<file path=ppt/slides/slide11.xml><?xml version="1.0" encoding="utf-8"?>
+<file path=ppt/slides/slide12.xml><?xml version="1.0" encoding="utf-8"?>
 <p:sld xmlns:a="http://schemas.openxmlformats.org/drawingml/2006/main" xmlns:r="http://schemas.openxmlformats.org/officeDocument/2006/relationships" xmlns:p="http://schemas.openxmlformats.org/presentationml/2006/main">
   <p:cSld>
     <p:spTree>
@@ -8583,7 +8835,7 @@
         <p:spPr>
           <a:xfrm>
             <a:off x="1238250" y="1556792"/>
-            <a:ext cx="2304256" cy="369332"/>
+            <a:ext cx="2304256" cy="1754326"/>
           </a:xfrm>
           <a:prstGeom prst="rect">
             <a:avLst/>
@@ -8599,6 +8851,49 @@
             <a:r>
               <a:rPr lang="en-US" dirty="0"/>
               <a:t>Demo</a:t>
+            </a:r>
+          </a:p>
+          <a:p>
+            <a:endParaRPr lang="en-US" dirty="0"/>
+          </a:p>
+          <a:p>
+            <a:pPr marL="285750" indent="-285750">
+              <a:buFont typeface="Arial" panose="020B0604020202020204" pitchFamily="34" charset="0"/>
+              <a:buChar char="•"/>
+            </a:pPr>
+            <a:r>
+              <a:rPr lang="en-US" dirty="0"/>
+              <a:t>Dataset</a:t>
+            </a:r>
+          </a:p>
+          <a:p>
+            <a:pPr marL="285750" indent="-285750">
+              <a:buFont typeface="Arial" panose="020B0604020202020204" pitchFamily="34" charset="0"/>
+              <a:buChar char="•"/>
+            </a:pPr>
+            <a:r>
+              <a:rPr lang="en-US" dirty="0"/>
+              <a:t>Preprocessing</a:t>
+            </a:r>
+          </a:p>
+          <a:p>
+            <a:pPr marL="285750" indent="-285750">
+              <a:buFont typeface="Arial" panose="020B0604020202020204" pitchFamily="34" charset="0"/>
+              <a:buChar char="•"/>
+            </a:pPr>
+            <a:r>
+              <a:rPr lang="en-US" dirty="0"/>
+              <a:t>Indexing </a:t>
+            </a:r>
+          </a:p>
+          <a:p>
+            <a:pPr marL="285750" indent="-285750">
+              <a:buFont typeface="Arial" panose="020B0604020202020204" pitchFamily="34" charset="0"/>
+              <a:buChar char="•"/>
+            </a:pPr>
+            <a:r>
+              <a:rPr lang="en-US" dirty="0"/>
+              <a:t>Retrieval</a:t>
             </a:r>
           </a:p>
         </p:txBody>
@@ -8785,7 +9080,7 @@
         <p:spPr>
           <a:xfrm>
             <a:off x="1127448" y="1171756"/>
-            <a:ext cx="10163369" cy="4801314"/>
+            <a:ext cx="10163369" cy="3970318"/>
           </a:xfrm>
           <a:prstGeom prst="rect">
             <a:avLst/>
@@ -8932,51 +9227,6 @@
               </a:rPr>
               <a:t>: Though the retrieval process result in document with the ranking score. the framework doesn’t not give correct list of relevant document. Further analysis needs to be done to understand</a:t>
             </a:r>
-          </a:p>
-          <a:p>
-            <a:pPr marL="1028700" lvl="2" indent="-285750" algn="just">
-              <a:buFontTx/>
-              <a:buChar char="-"/>
-            </a:pPr>
-            <a:r>
-              <a:rPr lang="en-US" kern="0" dirty="0">
-                <a:ea typeface="Times New Roman" panose="02020603050405020304" pitchFamily="18" charset="0"/>
-                <a:cs typeface="Times New Roman" panose="02020603050405020304" pitchFamily="18" charset="0"/>
-              </a:rPr>
-              <a:t>Appropriate Similarity measure to use.</a:t>
-            </a:r>
-          </a:p>
-          <a:p>
-            <a:pPr marL="1028700" lvl="2" indent="-285750" algn="just">
-              <a:buFontTx/>
-              <a:buChar char="-"/>
-            </a:pPr>
-            <a:r>
-              <a:rPr lang="en-US" kern="0" dirty="0">
-                <a:ea typeface="Times New Roman" panose="02020603050405020304" pitchFamily="18" charset="0"/>
-                <a:cs typeface="Times New Roman" panose="02020603050405020304" pitchFamily="18" charset="0"/>
-              </a:rPr>
-              <a:t>Analyzer(Tokenizer and </a:t>
-            </a:r>
-            <a:r>
-              <a:rPr lang="en-US" kern="0" dirty="0" err="1">
-                <a:ea typeface="Times New Roman" panose="02020603050405020304" pitchFamily="18" charset="0"/>
-                <a:cs typeface="Times New Roman" panose="02020603050405020304" pitchFamily="18" charset="0"/>
-              </a:rPr>
-              <a:t>TokenFilter</a:t>
-            </a:r>
-            <a:r>
-              <a:rPr lang="en-US" kern="0" dirty="0">
-                <a:ea typeface="Times New Roman" panose="02020603050405020304" pitchFamily="18" charset="0"/>
-                <a:cs typeface="Times New Roman" panose="02020603050405020304" pitchFamily="18" charset="0"/>
-              </a:rPr>
-              <a:t>) used to index and search for text retrieval pertaining to clinical linguistic data.</a:t>
-            </a:r>
-            <a:endParaRPr lang="en-GB" kern="0" dirty="0">
-              <a:effectLst/>
-              <a:ea typeface="Times New Roman" panose="02020603050405020304" pitchFamily="18" charset="0"/>
-              <a:cs typeface="Times New Roman" panose="02020603050405020304" pitchFamily="18" charset="0"/>
-            </a:endParaRPr>
           </a:p>
         </p:txBody>
       </p:sp>

--- a/data/Group51_Assg3_SearchEngineImpl.pptx
+++ b/data/Group51_Assg3_SearchEngineImpl.pptx
@@ -5,7 +5,7 @@
     <p:sldMasterId id="2147483648" r:id="rId1"/>
   </p:sldMasterIdLst>
   <p:notesMasterIdLst>
-    <p:notesMasterId r:id="rId14"/>
+    <p:notesMasterId r:id="rId16"/>
   </p:notesMasterIdLst>
   <p:sldIdLst>
     <p:sldId id="258" r:id="rId2"/>
@@ -15,11 +15,13 @@
     <p:sldId id="268" r:id="rId6"/>
     <p:sldId id="267" r:id="rId7"/>
     <p:sldId id="266" r:id="rId8"/>
-    <p:sldId id="273" r:id="rId9"/>
-    <p:sldId id="270" r:id="rId10"/>
-    <p:sldId id="274" r:id="rId11"/>
-    <p:sldId id="272" r:id="rId12"/>
-    <p:sldId id="256" r:id="rId13"/>
+    <p:sldId id="277" r:id="rId9"/>
+    <p:sldId id="275" r:id="rId10"/>
+    <p:sldId id="278" r:id="rId11"/>
+    <p:sldId id="270" r:id="rId12"/>
+    <p:sldId id="273" r:id="rId13"/>
+    <p:sldId id="272" r:id="rId14"/>
+    <p:sldId id="256" r:id="rId15"/>
   </p:sldIdLst>
   <p:sldSz cx="12192000" cy="6858000"/>
   <p:notesSz cx="6858000" cy="9144000"/>
@@ -208,7 +210,7 @@
           <a:p>
             <a:fld id="{9EFB3930-FAD7-4999-AA59-3F2D92CB3C06}" type="datetimeFigureOut">
               <a:rPr lang="en-GB" smtClean="0"/>
-              <a:t>16/04/2022</a:t>
+              <a:t>20/04/2022</a:t>
             </a:fld>
             <a:endParaRPr lang="en-GB"/>
           </a:p>
@@ -709,7 +711,7 @@
           <a:p>
             <a:fld id="{B6A80083-9804-4B15-9C5F-F0B60D9EB39F}" type="datetimeFigureOut">
               <a:rPr lang="en-GB" smtClean="0"/>
-              <a:t>16/04/2022</a:t>
+              <a:t>20/04/2022</a:t>
             </a:fld>
             <a:endParaRPr lang="en-GB"/>
           </a:p>
@@ -909,7 +911,7 @@
           <a:p>
             <a:fld id="{B6A80083-9804-4B15-9C5F-F0B60D9EB39F}" type="datetimeFigureOut">
               <a:rPr lang="en-GB" smtClean="0"/>
-              <a:t>16/04/2022</a:t>
+              <a:t>20/04/2022</a:t>
             </a:fld>
             <a:endParaRPr lang="en-GB"/>
           </a:p>
@@ -1119,7 +1121,7 @@
           <a:p>
             <a:fld id="{B6A80083-9804-4B15-9C5F-F0B60D9EB39F}" type="datetimeFigureOut">
               <a:rPr lang="en-GB" smtClean="0"/>
-              <a:t>16/04/2022</a:t>
+              <a:t>20/04/2022</a:t>
             </a:fld>
             <a:endParaRPr lang="en-GB"/>
           </a:p>
@@ -1319,7 +1321,7 @@
           <a:p>
             <a:fld id="{B6A80083-9804-4B15-9C5F-F0B60D9EB39F}" type="datetimeFigureOut">
               <a:rPr lang="en-GB" smtClean="0"/>
-              <a:t>16/04/2022</a:t>
+              <a:t>20/04/2022</a:t>
             </a:fld>
             <a:endParaRPr lang="en-GB"/>
           </a:p>
@@ -1595,7 +1597,7 @@
           <a:p>
             <a:fld id="{B6A80083-9804-4B15-9C5F-F0B60D9EB39F}" type="datetimeFigureOut">
               <a:rPr lang="en-GB" smtClean="0"/>
-              <a:t>16/04/2022</a:t>
+              <a:t>20/04/2022</a:t>
             </a:fld>
             <a:endParaRPr lang="en-GB"/>
           </a:p>
@@ -1863,7 +1865,7 @@
           <a:p>
             <a:fld id="{B6A80083-9804-4B15-9C5F-F0B60D9EB39F}" type="datetimeFigureOut">
               <a:rPr lang="en-GB" smtClean="0"/>
-              <a:t>16/04/2022</a:t>
+              <a:t>20/04/2022</a:t>
             </a:fld>
             <a:endParaRPr lang="en-GB"/>
           </a:p>
@@ -2278,7 +2280,7 @@
           <a:p>
             <a:fld id="{B6A80083-9804-4B15-9C5F-F0B60D9EB39F}" type="datetimeFigureOut">
               <a:rPr lang="en-GB" smtClean="0"/>
-              <a:t>16/04/2022</a:t>
+              <a:t>20/04/2022</a:t>
             </a:fld>
             <a:endParaRPr lang="en-GB"/>
           </a:p>
@@ -2420,7 +2422,7 @@
           <a:p>
             <a:fld id="{B6A80083-9804-4B15-9C5F-F0B60D9EB39F}" type="datetimeFigureOut">
               <a:rPr lang="en-GB" smtClean="0"/>
-              <a:t>16/04/2022</a:t>
+              <a:t>20/04/2022</a:t>
             </a:fld>
             <a:endParaRPr lang="en-GB"/>
           </a:p>
@@ -2533,7 +2535,7 @@
           <a:p>
             <a:fld id="{B6A80083-9804-4B15-9C5F-F0B60D9EB39F}" type="datetimeFigureOut">
               <a:rPr lang="en-GB" smtClean="0"/>
-              <a:t>16/04/2022</a:t>
+              <a:t>20/04/2022</a:t>
             </a:fld>
             <a:endParaRPr lang="en-GB"/>
           </a:p>
@@ -2846,7 +2848,7 @@
           <a:p>
             <a:fld id="{B6A80083-9804-4B15-9C5F-F0B60D9EB39F}" type="datetimeFigureOut">
               <a:rPr lang="en-GB" smtClean="0"/>
-              <a:t>16/04/2022</a:t>
+              <a:t>20/04/2022</a:t>
             </a:fld>
             <a:endParaRPr lang="en-GB"/>
           </a:p>
@@ -3135,7 +3137,7 @@
           <a:p>
             <a:fld id="{B6A80083-9804-4B15-9C5F-F0B60D9EB39F}" type="datetimeFigureOut">
               <a:rPr lang="en-GB" smtClean="0"/>
-              <a:t>16/04/2022</a:t>
+              <a:t>20/04/2022</a:t>
             </a:fld>
             <a:endParaRPr lang="en-GB"/>
           </a:p>
@@ -3378,7 +3380,7 @@
           <a:p>
             <a:fld id="{B6A80083-9804-4B15-9C5F-F0B60D9EB39F}" type="datetimeFigureOut">
               <a:rPr lang="en-GB" smtClean="0"/>
-              <a:t>16/04/2022</a:t>
+              <a:t>20/04/2022</a:t>
             </a:fld>
             <a:endParaRPr lang="en-GB"/>
           </a:p>
@@ -3810,7 +3812,7 @@
         <p:spPr>
           <a:xfrm>
             <a:off x="1144557" y="751344"/>
-            <a:ext cx="10163369" cy="5386090"/>
+            <a:ext cx="10163369" cy="5632311"/>
           </a:xfrm>
           <a:prstGeom prst="rect">
             <a:avLst/>
@@ -3967,13 +3969,6 @@
             </a:endParaRPr>
           </a:p>
           <a:p>
-            <a:pPr algn="l"/>
-            <a:endParaRPr lang="en-US" sz="2000" cap="all" dirty="0">
-              <a:latin typeface="Arial" panose="020B0604020202020204" pitchFamily="34" charset="0"/>
-              <a:cs typeface="Arial" panose="020B0604020202020204" pitchFamily="34" charset="0"/>
-            </a:endParaRPr>
-          </a:p>
-          <a:p>
             <a:r>
               <a:rPr lang="en-US" sz="1200" dirty="0">
                 <a:latin typeface="Arial" panose="020B0604020202020204" pitchFamily="34" charset="0"/>
@@ -3990,6 +3985,36 @@
                 <a:cs typeface="Arial" panose="020B0604020202020204" pitchFamily="34" charset="0"/>
               </a:rPr>
               <a:t>Bineeta Kachhap (210619025)</a:t>
+            </a:r>
+            <a:br>
+              <a:rPr lang="en-GB" sz="1200" b="1" dirty="0"/>
+            </a:br>
+            <a:r>
+              <a:rPr lang="en-GB" sz="1200" b="1" dirty="0">
+                <a:effectLst/>
+                <a:latin typeface="Arial" panose="020B0604020202020204" pitchFamily="34" charset="0"/>
+              </a:rPr>
+              <a:t>Mokshith Kummari (210650383)</a:t>
+            </a:r>
+            <a:br>
+              <a:rPr lang="en-GB" sz="1200" b="1" dirty="0"/>
+            </a:br>
+            <a:r>
+              <a:rPr lang="en-GB" sz="1200" b="1" dirty="0">
+                <a:effectLst/>
+                <a:latin typeface="Arial" panose="020B0604020202020204" pitchFamily="34" charset="0"/>
+              </a:rPr>
+              <a:t>Krishna Sameer Kummetha (210470013)</a:t>
+            </a:r>
+            <a:br>
+              <a:rPr lang="en-GB" sz="1200" b="1" dirty="0"/>
+            </a:br>
+            <a:r>
+              <a:rPr lang="en-GB" sz="1200" b="1" dirty="0">
+                <a:effectLst/>
+                <a:latin typeface="Arial" panose="020B0604020202020204" pitchFamily="34" charset="0"/>
+              </a:rPr>
+              <a:t>Sanjay Ramesh (210811700)</a:t>
             </a:r>
             <a:endParaRPr lang="en-US" sz="1200" b="1" i="0" dirty="0">
               <a:effectLst/>
@@ -4106,72 +4131,12 @@
           <a:chExt cx="0" cy="0"/>
         </a:xfrm>
       </p:grpSpPr>
-      <p:sp>
-        <p:nvSpPr>
-          <p:cNvPr id="5" name="TextBox 4">
-            <a:extLst>
-              <a:ext uri="{FF2B5EF4-FFF2-40B4-BE49-F238E27FC236}">
-                <a16:creationId xmlns:a16="http://schemas.microsoft.com/office/drawing/2014/main" id="{A9B57D9E-736F-4CCE-B76E-D6E627DE7FBB}"/>
-              </a:ext>
-            </a:extLst>
-          </p:cNvPr>
-          <p:cNvSpPr txBox="1"/>
-          <p:nvPr/>
-        </p:nvSpPr>
-        <p:spPr>
-          <a:xfrm>
-            <a:off x="1238250" y="620688"/>
-            <a:ext cx="6097464" cy="375552"/>
-          </a:xfrm>
-          <a:prstGeom prst="rect">
-            <a:avLst/>
-          </a:prstGeom>
-          <a:noFill/>
-        </p:spPr>
-        <p:txBody>
-          <a:bodyPr wrap="square">
-            <a:spAutoFit/>
-          </a:bodyPr>
-          <a:lstStyle/>
-          <a:p>
-            <a:pPr lvl="0" algn="just">
-              <a:lnSpc>
-                <a:spcPct val="107000"/>
-              </a:lnSpc>
-              <a:spcBef>
-                <a:spcPts val="1200"/>
-              </a:spcBef>
-            </a:pPr>
-            <a:r>
-              <a:rPr lang="en-GB" sz="1800" b="1" u="sng" kern="0" dirty="0">
-                <a:solidFill>
-                  <a:srgbClr val="2F5496"/>
-                </a:solidFill>
-                <a:effectLst/>
-                <a:latin typeface="Calibri Light" panose="020F0302020204030204" pitchFamily="34" charset="0"/>
-                <a:ea typeface="Times New Roman" panose="02020603050405020304" pitchFamily="18" charset="0"/>
-                <a:cs typeface="Times New Roman" panose="02020603050405020304" pitchFamily="18" charset="0"/>
-              </a:rPr>
-              <a:t>IMPROVEMENTS</a:t>
-            </a:r>
-            <a:endParaRPr lang="en-GB" sz="1800" b="1" kern="0" dirty="0">
-              <a:solidFill>
-                <a:srgbClr val="2F5496"/>
-              </a:solidFill>
-              <a:effectLst/>
-              <a:latin typeface="Calibri Light" panose="020F0302020204030204" pitchFamily="34" charset="0"/>
-              <a:ea typeface="Times New Roman" panose="02020603050405020304" pitchFamily="18" charset="0"/>
-              <a:cs typeface="Times New Roman" panose="02020603050405020304" pitchFamily="18" charset="0"/>
-            </a:endParaRPr>
-          </a:p>
-        </p:txBody>
-      </p:sp>
       <p:cxnSp>
         <p:nvCxnSpPr>
-          <p:cNvPr id="6" name="Straight Connector 5">
-            <a:extLst>
-              <a:ext uri="{FF2B5EF4-FFF2-40B4-BE49-F238E27FC236}">
-                <a16:creationId xmlns:a16="http://schemas.microsoft.com/office/drawing/2014/main" id="{5714E015-3625-4147-A393-C43F1128D79B}"/>
+          <p:cNvPr id="5" name="Straight Connector 4">
+            <a:extLst>
+              <a:ext uri="{FF2B5EF4-FFF2-40B4-BE49-F238E27FC236}">
+                <a16:creationId xmlns:a16="http://schemas.microsoft.com/office/drawing/2014/main" id="{F77FF212-308A-4810-9E92-956F425AF475}"/>
               </a:ext>
             </a:extLst>
           </p:cNvPr>
@@ -4182,7 +4147,7 @@
         </p:nvCxnSpPr>
         <p:spPr>
           <a:xfrm flipH="1">
-            <a:off x="1238250" y="1052736"/>
+            <a:off x="1238250" y="1196752"/>
             <a:ext cx="10953750" cy="0"/>
           </a:xfrm>
           <a:prstGeom prst="line">
@@ -4211,10 +4176,44 @@
       </p:cxnSp>
       <p:sp>
         <p:nvSpPr>
-          <p:cNvPr id="8" name="TextBox 7">
-            <a:extLst>
-              <a:ext uri="{FF2B5EF4-FFF2-40B4-BE49-F238E27FC236}">
-                <a16:creationId xmlns:a16="http://schemas.microsoft.com/office/drawing/2014/main" id="{5F92898B-3B2C-441A-8F3D-D2B041FB26FD}"/>
+          <p:cNvPr id="6" name="Footer Placeholder 8">
+            <a:extLst>
+              <a:ext uri="{FF2B5EF4-FFF2-40B4-BE49-F238E27FC236}">
+                <a16:creationId xmlns:a16="http://schemas.microsoft.com/office/drawing/2014/main" id="{B007138D-E4FF-4511-9F98-9436AA525473}"/>
+              </a:ext>
+            </a:extLst>
+          </p:cNvPr>
+          <p:cNvSpPr>
+            <a:spLocks noGrp="1"/>
+          </p:cNvSpPr>
+          <p:nvPr>
+            <p:ph type="ftr" sz="quarter" idx="11"/>
+          </p:nvPr>
+        </p:nvSpPr>
+        <p:spPr>
+          <a:xfrm>
+            <a:off x="4038600" y="6356350"/>
+            <a:ext cx="4114800" cy="365125"/>
+          </a:xfrm>
+        </p:spPr>
+        <p:txBody>
+          <a:bodyPr/>
+          <a:lstStyle/>
+          <a:p>
+            <a:r>
+              <a:rPr lang="en-US" dirty="0"/>
+              <a:t>Queen Mary University of London</a:t>
+            </a:r>
+            <a:endParaRPr lang="en-GB" dirty="0"/>
+          </a:p>
+        </p:txBody>
+      </p:sp>
+      <p:sp>
+        <p:nvSpPr>
+          <p:cNvPr id="7" name="TextBox 6">
+            <a:extLst>
+              <a:ext uri="{FF2B5EF4-FFF2-40B4-BE49-F238E27FC236}">
+                <a16:creationId xmlns:a16="http://schemas.microsoft.com/office/drawing/2014/main" id="{F5ED60B8-6DB4-4825-946E-156258D06F9E}"/>
               </a:ext>
             </a:extLst>
           </p:cNvPr>
@@ -4223,8 +4222,8 @@
         </p:nvSpPr>
         <p:spPr>
           <a:xfrm>
-            <a:off x="1127449" y="1484784"/>
-            <a:ext cx="10009111" cy="2862322"/>
+            <a:off x="1238250" y="692696"/>
+            <a:ext cx="6101860" cy="375552"/>
           </a:xfrm>
           <a:prstGeom prst="rect">
             <a:avLst/>
@@ -4232,105 +4231,689 @@
           <a:noFill/>
         </p:spPr>
         <p:txBody>
-          <a:bodyPr wrap="square" rtlCol="0">
+          <a:bodyPr wrap="square">
             <a:spAutoFit/>
           </a:bodyPr>
           <a:lstStyle/>
           <a:p>
-            <a:pPr marL="285750" indent="-285750">
+            <a:pPr lvl="0" algn="just">
+              <a:lnSpc>
+                <a:spcPct val="107000"/>
+              </a:lnSpc>
+              <a:spcBef>
+                <a:spcPts val="1200"/>
+              </a:spcBef>
+            </a:pPr>
+            <a:r>
+              <a:rPr lang="en-GB" sz="1800" b="1" u="sng" kern="0" dirty="0">
+                <a:solidFill>
+                  <a:srgbClr val="2F5496"/>
+                </a:solidFill>
+                <a:effectLst/>
+                <a:latin typeface="Calibri Light" panose="020F0302020204030204" pitchFamily="34" charset="0"/>
+                <a:ea typeface="Times New Roman" panose="02020603050405020304" pitchFamily="18" charset="0"/>
+                <a:cs typeface="Times New Roman" panose="02020603050405020304" pitchFamily="18" charset="0"/>
+              </a:rPr>
+              <a:t>EVALUATION </a:t>
+            </a:r>
+            <a:endParaRPr lang="en-GB" sz="1800" b="1" kern="0" dirty="0">
+              <a:solidFill>
+                <a:srgbClr val="2F5496"/>
+              </a:solidFill>
+              <a:effectLst/>
+              <a:latin typeface="Calibri Light" panose="020F0302020204030204" pitchFamily="34" charset="0"/>
+              <a:ea typeface="Times New Roman" panose="02020603050405020304" pitchFamily="18" charset="0"/>
+              <a:cs typeface="Times New Roman" panose="02020603050405020304" pitchFamily="18" charset="0"/>
+            </a:endParaRPr>
+          </a:p>
+        </p:txBody>
+      </p:sp>
+      <p:sp>
+        <p:nvSpPr>
+          <p:cNvPr id="8" name="TextBox 7">
+            <a:extLst>
+              <a:ext uri="{FF2B5EF4-FFF2-40B4-BE49-F238E27FC236}">
+                <a16:creationId xmlns:a16="http://schemas.microsoft.com/office/drawing/2014/main" id="{6ED64BCB-6B00-4866-90F5-36A2C865727F}"/>
+              </a:ext>
+            </a:extLst>
+          </p:cNvPr>
+          <p:cNvSpPr txBox="1"/>
+          <p:nvPr/>
+        </p:nvSpPr>
+        <p:spPr>
+          <a:xfrm>
+            <a:off x="1238250" y="1484784"/>
+            <a:ext cx="5073774" cy="4488280"/>
+          </a:xfrm>
+          <a:prstGeom prst="rect">
+            <a:avLst/>
+          </a:prstGeom>
+          <a:noFill/>
+        </p:spPr>
+        <p:txBody>
+          <a:bodyPr wrap="square">
+            <a:spAutoFit/>
+          </a:bodyPr>
+          <a:lstStyle/>
+          <a:p>
+            <a:pPr marL="241300" marR="5080" indent="-228600">
+              <a:lnSpc>
+                <a:spcPct val="93800"/>
+              </a:lnSpc>
+              <a:spcBef>
+                <a:spcPts val="305"/>
+              </a:spcBef>
+              <a:buFont typeface="Arial"/>
+              <a:buChar char="•"/>
+              <a:tabLst>
+                <a:tab pos="241300" algn="l"/>
+              </a:tabLst>
+            </a:pPr>
+            <a:r>
+              <a:rPr lang="en-US" sz="2800" spc="-15" dirty="0">
+                <a:latin typeface="Calibri"/>
+                <a:cs typeface="Calibri"/>
+              </a:rPr>
+              <a:t>Recall</a:t>
+            </a:r>
+            <a:r>
+              <a:rPr lang="en-US" sz="2800" spc="-5" dirty="0">
+                <a:latin typeface="Calibri"/>
+                <a:cs typeface="Calibri"/>
+              </a:rPr>
+              <a:t> </a:t>
+            </a:r>
+            <a:r>
+              <a:rPr lang="en-US" sz="2800" dirty="0">
+                <a:latin typeface="Calibri"/>
+                <a:cs typeface="Calibri"/>
+              </a:rPr>
+              <a:t>:</a:t>
+            </a:r>
+            <a:r>
+              <a:rPr lang="en-US" sz="2800" spc="-10" dirty="0">
+                <a:latin typeface="Calibri"/>
+                <a:cs typeface="Calibri"/>
+              </a:rPr>
+              <a:t> </a:t>
+            </a:r>
+            <a:r>
+              <a:rPr lang="en-US" sz="2000" dirty="0">
+                <a:latin typeface="Calibri"/>
+                <a:cs typeface="Calibri"/>
+              </a:rPr>
+              <a:t>This </a:t>
+            </a:r>
+            <a:r>
+              <a:rPr lang="en-US" sz="2000" spc="-5" dirty="0">
+                <a:latin typeface="Calibri"/>
+                <a:cs typeface="Calibri"/>
+              </a:rPr>
+              <a:t>metric gives</a:t>
+            </a:r>
+            <a:r>
+              <a:rPr lang="en-US" sz="2000" dirty="0">
+                <a:latin typeface="Calibri"/>
+                <a:cs typeface="Calibri"/>
+              </a:rPr>
+              <a:t> us</a:t>
+            </a:r>
+            <a:r>
+              <a:rPr lang="en-US" sz="2000" spc="-5" dirty="0">
+                <a:latin typeface="Calibri"/>
+                <a:cs typeface="Calibri"/>
+              </a:rPr>
+              <a:t> how</a:t>
+            </a:r>
+            <a:r>
+              <a:rPr lang="en-US" sz="2000" dirty="0">
+                <a:latin typeface="Calibri"/>
+                <a:cs typeface="Calibri"/>
+              </a:rPr>
+              <a:t> </a:t>
+            </a:r>
+            <a:r>
+              <a:rPr lang="en-US" sz="2000" spc="-15" dirty="0">
+                <a:latin typeface="Calibri"/>
+                <a:cs typeface="Calibri"/>
+              </a:rPr>
+              <a:t>many</a:t>
+            </a:r>
+            <a:r>
+              <a:rPr lang="en-US" sz="2000" spc="-5" dirty="0">
+                <a:latin typeface="Calibri"/>
+                <a:cs typeface="Calibri"/>
+              </a:rPr>
+              <a:t> actual </a:t>
+            </a:r>
+            <a:r>
+              <a:rPr lang="en-US" sz="2000" dirty="0">
+                <a:latin typeface="Calibri"/>
+                <a:cs typeface="Calibri"/>
+              </a:rPr>
+              <a:t> </a:t>
+            </a:r>
+            <a:r>
+              <a:rPr lang="en-US" sz="2000" spc="-15" dirty="0">
+                <a:latin typeface="Calibri"/>
+                <a:cs typeface="Calibri"/>
+              </a:rPr>
+              <a:t>relevant</a:t>
+            </a:r>
+            <a:r>
+              <a:rPr lang="en-US" sz="2000" spc="-5" dirty="0">
+                <a:latin typeface="Calibri"/>
+                <a:cs typeface="Calibri"/>
+              </a:rPr>
+              <a:t> results</a:t>
+            </a:r>
+            <a:r>
+              <a:rPr lang="en-US" sz="2000" dirty="0">
+                <a:latin typeface="Calibri"/>
+                <a:cs typeface="Calibri"/>
+              </a:rPr>
+              <a:t> </a:t>
+            </a:r>
+            <a:r>
+              <a:rPr lang="en-US" sz="2000" spc="-15" dirty="0">
+                <a:latin typeface="Calibri"/>
+                <a:cs typeface="Calibri"/>
+              </a:rPr>
+              <a:t>were</a:t>
+            </a:r>
+            <a:r>
+              <a:rPr lang="en-US" sz="2000" dirty="0">
+                <a:latin typeface="Calibri"/>
+                <a:cs typeface="Calibri"/>
+              </a:rPr>
+              <a:t> </a:t>
+            </a:r>
+            <a:r>
+              <a:rPr lang="en-US" sz="2000" spc="-10" dirty="0">
+                <a:latin typeface="Calibri"/>
+                <a:cs typeface="Calibri"/>
+              </a:rPr>
+              <a:t>retrieved</a:t>
+            </a:r>
+            <a:r>
+              <a:rPr lang="en-US" sz="2000" dirty="0">
+                <a:latin typeface="Calibri"/>
+                <a:cs typeface="Calibri"/>
+              </a:rPr>
+              <a:t> </a:t>
+            </a:r>
+            <a:r>
+              <a:rPr lang="en-US" sz="2000" spc="-5" dirty="0">
+                <a:latin typeface="Calibri"/>
+                <a:cs typeface="Calibri"/>
+              </a:rPr>
+              <a:t>out</a:t>
+            </a:r>
+            <a:r>
+              <a:rPr lang="en-US" sz="2000" dirty="0">
+                <a:latin typeface="Calibri"/>
+                <a:cs typeface="Calibri"/>
+              </a:rPr>
+              <a:t> </a:t>
+            </a:r>
+            <a:r>
+              <a:rPr lang="en-US" sz="2000" spc="-5" dirty="0">
+                <a:latin typeface="Calibri"/>
+                <a:cs typeface="Calibri"/>
+              </a:rPr>
+              <a:t>of</a:t>
+            </a:r>
+            <a:r>
+              <a:rPr lang="en-US" sz="2000" dirty="0">
+                <a:latin typeface="Calibri"/>
+                <a:cs typeface="Calibri"/>
+              </a:rPr>
+              <a:t> all </a:t>
+            </a:r>
+            <a:r>
+              <a:rPr lang="en-US" sz="2000" spc="-5" dirty="0">
+                <a:latin typeface="Calibri"/>
+                <a:cs typeface="Calibri"/>
+              </a:rPr>
+              <a:t>actual </a:t>
+            </a:r>
+            <a:r>
+              <a:rPr lang="en-US" sz="2000" dirty="0">
+                <a:latin typeface="Calibri"/>
+                <a:cs typeface="Calibri"/>
+              </a:rPr>
+              <a:t> </a:t>
+            </a:r>
+            <a:r>
+              <a:rPr lang="en-US" sz="2000" spc="-15" dirty="0">
+                <a:latin typeface="Calibri"/>
+                <a:cs typeface="Calibri"/>
+              </a:rPr>
+              <a:t>relevant</a:t>
+            </a:r>
+            <a:r>
+              <a:rPr lang="en-US" sz="2000" spc="-5" dirty="0">
+                <a:latin typeface="Calibri"/>
+                <a:cs typeface="Calibri"/>
+              </a:rPr>
+              <a:t> results </a:t>
+            </a:r>
+            <a:r>
+              <a:rPr lang="en-US" sz="2000" spc="-20" dirty="0">
+                <a:latin typeface="Calibri"/>
+                <a:cs typeface="Calibri"/>
+              </a:rPr>
+              <a:t>for</a:t>
+            </a:r>
+            <a:r>
+              <a:rPr lang="en-US" sz="2000" spc="-5" dirty="0">
+                <a:latin typeface="Calibri"/>
+                <a:cs typeface="Calibri"/>
+              </a:rPr>
+              <a:t> </a:t>
+            </a:r>
+            <a:r>
+              <a:rPr lang="en-US" sz="2000" dirty="0">
+                <a:latin typeface="Calibri"/>
+                <a:cs typeface="Calibri"/>
+              </a:rPr>
+              <a:t>the</a:t>
+            </a:r>
+            <a:r>
+              <a:rPr lang="en-US" sz="2000" spc="-5" dirty="0">
+                <a:latin typeface="Calibri"/>
+                <a:cs typeface="Calibri"/>
+              </a:rPr>
+              <a:t> </a:t>
+            </a:r>
+            <a:r>
+              <a:rPr lang="en-US" sz="2000" spc="-25" dirty="0">
+                <a:latin typeface="Calibri"/>
+                <a:cs typeface="Calibri"/>
+              </a:rPr>
+              <a:t>query.</a:t>
+            </a:r>
+            <a:r>
+              <a:rPr lang="en-US" sz="2000" spc="-5" dirty="0">
+                <a:latin typeface="Calibri"/>
+                <a:cs typeface="Calibri"/>
+              </a:rPr>
+              <a:t> Mathematically </a:t>
+            </a:r>
+            <a:r>
+              <a:rPr lang="en-US" sz="2000" dirty="0">
+                <a:latin typeface="Calibri"/>
+                <a:cs typeface="Calibri"/>
+              </a:rPr>
+              <a:t>it is </a:t>
+            </a:r>
+            <a:r>
+              <a:rPr lang="en-US" sz="2000" spc="-440" dirty="0">
+                <a:latin typeface="Calibri"/>
+                <a:cs typeface="Calibri"/>
+              </a:rPr>
+              <a:t> </a:t>
+            </a:r>
+            <a:r>
+              <a:rPr lang="en-US" sz="2000" spc="-10" dirty="0">
+                <a:latin typeface="Calibri"/>
+                <a:cs typeface="Calibri"/>
+              </a:rPr>
+              <a:t>expressed</a:t>
+            </a:r>
+            <a:r>
+              <a:rPr lang="en-US" sz="2000" spc="-5" dirty="0">
+                <a:latin typeface="Calibri"/>
+                <a:cs typeface="Calibri"/>
+              </a:rPr>
+              <a:t> </a:t>
+            </a:r>
+            <a:r>
+              <a:rPr lang="en-US" sz="2000" dirty="0">
+                <a:latin typeface="Calibri"/>
+                <a:cs typeface="Calibri"/>
+              </a:rPr>
+              <a:t>as</a:t>
+            </a:r>
+          </a:p>
+          <a:p>
+            <a:pPr marL="285750" lvl="0" indent="-285750" algn="just">
+              <a:lnSpc>
+                <a:spcPct val="107000"/>
+              </a:lnSpc>
+              <a:spcBef>
+                <a:spcPts val="1200"/>
+              </a:spcBef>
               <a:buFont typeface="Arial" panose="020B0604020202020204" pitchFamily="34" charset="0"/>
               <a:buChar char="•"/>
             </a:pPr>
-            <a:r>
-              <a:rPr lang="en-US" b="1" dirty="0"/>
-              <a:t>Indexing</a:t>
-            </a:r>
-            <a:r>
-              <a:rPr lang="en-US" dirty="0"/>
-              <a:t>: Merge document processing and Indexing rather than having two separate steps.</a:t>
-            </a:r>
-          </a:p>
-          <a:p>
-            <a:endParaRPr lang="en-US" dirty="0"/>
-          </a:p>
-          <a:p>
-            <a:pPr marL="285750" indent="-285750">
+            <a:endParaRPr lang="en-GB" sz="1800" b="1" kern="0" dirty="0">
+              <a:solidFill>
+                <a:srgbClr val="2F5496"/>
+              </a:solidFill>
+              <a:effectLst/>
+              <a:latin typeface="Calibri Light" panose="020F0302020204030204" pitchFamily="34" charset="0"/>
+              <a:ea typeface="Times New Roman" panose="02020603050405020304" pitchFamily="18" charset="0"/>
+              <a:cs typeface="Times New Roman" panose="02020603050405020304" pitchFamily="18" charset="0"/>
+            </a:endParaRPr>
+          </a:p>
+          <a:p>
+            <a:pPr marL="285750" lvl="0" indent="-285750" algn="just">
+              <a:lnSpc>
+                <a:spcPct val="107000"/>
+              </a:lnSpc>
+              <a:spcBef>
+                <a:spcPts val="1200"/>
+              </a:spcBef>
               <a:buFont typeface="Arial" panose="020B0604020202020204" pitchFamily="34" charset="0"/>
               <a:buChar char="•"/>
             </a:pPr>
-            <a:r>
-              <a:rPr lang="en-US" b="1" dirty="0"/>
-              <a:t>Custom Analyzer: </a:t>
-            </a:r>
-            <a:r>
-              <a:rPr lang="en-US" dirty="0"/>
-              <a:t>Custom tokenizer and multiple token filter could be implemented.</a:t>
-            </a:r>
-          </a:p>
-          <a:p>
-            <a:endParaRPr lang="en-US" dirty="0"/>
-          </a:p>
-          <a:p>
-            <a:pPr marL="285750" indent="-285750">
+            <a:endParaRPr lang="en-GB" b="1" kern="0" dirty="0">
+              <a:solidFill>
+                <a:srgbClr val="2F5496"/>
+              </a:solidFill>
+              <a:latin typeface="Calibri Light" panose="020F0302020204030204" pitchFamily="34" charset="0"/>
+              <a:ea typeface="Times New Roman" panose="02020603050405020304" pitchFamily="18" charset="0"/>
+              <a:cs typeface="Times New Roman" panose="02020603050405020304" pitchFamily="18" charset="0"/>
+            </a:endParaRPr>
+          </a:p>
+          <a:p>
+            <a:pPr marL="285750" lvl="0" indent="-285750" algn="just">
+              <a:lnSpc>
+                <a:spcPct val="107000"/>
+              </a:lnSpc>
+              <a:spcBef>
+                <a:spcPts val="1200"/>
+              </a:spcBef>
               <a:buFont typeface="Arial" panose="020B0604020202020204" pitchFamily="34" charset="0"/>
               <a:buChar char="•"/>
             </a:pPr>
-            <a:r>
-              <a:rPr lang="en-US" b="1" dirty="0"/>
-              <a:t>Evaluation/Validation</a:t>
-            </a:r>
-            <a:r>
-              <a:rPr lang="en-US" dirty="0"/>
-              <a:t>: Investigation on current model. </a:t>
-            </a:r>
-          </a:p>
-          <a:p>
-            <a:pPr marL="1028700" lvl="2" indent="-285750" algn="just">
-              <a:buFontTx/>
-              <a:buChar char="-"/>
-            </a:pPr>
-            <a:r>
-              <a:rPr lang="en-US" kern="0" dirty="0">
-                <a:ea typeface="Times New Roman" panose="02020603050405020304" pitchFamily="18" charset="0"/>
-                <a:cs typeface="Times New Roman" panose="02020603050405020304" pitchFamily="18" charset="0"/>
-              </a:rPr>
-              <a:t>Appropriate Similarity measure to use.</a:t>
-            </a:r>
-          </a:p>
-          <a:p>
-            <a:pPr marL="1028700" lvl="2" indent="-285750" algn="just">
-              <a:buFontTx/>
-              <a:buChar char="-"/>
-            </a:pPr>
-            <a:r>
-              <a:rPr lang="en-US" kern="0" dirty="0">
-                <a:ea typeface="Times New Roman" panose="02020603050405020304" pitchFamily="18" charset="0"/>
-                <a:cs typeface="Times New Roman" panose="02020603050405020304" pitchFamily="18" charset="0"/>
-              </a:rPr>
-              <a:t>Analyzer(Tokenizer and Token Filter) used to index and search for text retrieval pertaining to clinical linguistic data.</a:t>
-            </a:r>
-            <a:endParaRPr lang="en-GB" kern="0" dirty="0">
+            <a:endParaRPr lang="en-GB" sz="1800" b="1" kern="0" dirty="0">
+              <a:solidFill>
+                <a:srgbClr val="2F5496"/>
+              </a:solidFill>
               <a:effectLst/>
+              <a:latin typeface="Calibri Light" panose="020F0302020204030204" pitchFamily="34" charset="0"/>
               <a:ea typeface="Times New Roman" panose="02020603050405020304" pitchFamily="18" charset="0"/>
               <a:cs typeface="Times New Roman" panose="02020603050405020304" pitchFamily="18" charset="0"/>
             </a:endParaRPr>
           </a:p>
           <a:p>
-            <a:pPr marL="285750" indent="-285750">
+            <a:pPr marL="285750" lvl="0" indent="-285750" algn="just">
+              <a:lnSpc>
+                <a:spcPct val="107000"/>
+              </a:lnSpc>
+              <a:spcBef>
+                <a:spcPts val="1200"/>
+              </a:spcBef>
               <a:buFont typeface="Arial" panose="020B0604020202020204" pitchFamily="34" charset="0"/>
               <a:buChar char="•"/>
             </a:pPr>
-            <a:endParaRPr lang="en-US" dirty="0"/>
-          </a:p>
-          <a:p>
-            <a:endParaRPr lang="en-GB" dirty="0"/>
-          </a:p>
-        </p:txBody>
-      </p:sp>
+            <a:endParaRPr lang="en-GB" sz="1800" b="1" kern="0" dirty="0">
+              <a:solidFill>
+                <a:srgbClr val="2F5496"/>
+              </a:solidFill>
+              <a:effectLst/>
+              <a:latin typeface="Calibri Light" panose="020F0302020204030204" pitchFamily="34" charset="0"/>
+              <a:ea typeface="Times New Roman" panose="02020603050405020304" pitchFamily="18" charset="0"/>
+              <a:cs typeface="Times New Roman" panose="02020603050405020304" pitchFamily="18" charset="0"/>
+            </a:endParaRPr>
+          </a:p>
+          <a:p>
+            <a:pPr marL="241300" marR="5080" indent="-228600">
+              <a:lnSpc>
+                <a:spcPts val="2200"/>
+              </a:lnSpc>
+              <a:spcBef>
+                <a:spcPts val="340"/>
+              </a:spcBef>
+              <a:buFont typeface="Arial"/>
+              <a:buChar char="•"/>
+              <a:tabLst>
+                <a:tab pos="240665" algn="l"/>
+                <a:tab pos="241300" algn="l"/>
+              </a:tabLst>
+            </a:pPr>
+            <a:r>
+              <a:rPr lang="en-US" sz="1800" dirty="0">
+                <a:latin typeface="Calibri"/>
+                <a:cs typeface="Calibri"/>
+              </a:rPr>
+              <a:t>The</a:t>
+            </a:r>
+            <a:r>
+              <a:rPr lang="en-US" sz="1800" spc="-5" dirty="0">
+                <a:latin typeface="Calibri"/>
+                <a:cs typeface="Calibri"/>
+              </a:rPr>
+              <a:t> </a:t>
+            </a:r>
+            <a:r>
+              <a:rPr lang="en-US" sz="1800" spc="-10" dirty="0">
+                <a:latin typeface="Calibri"/>
+                <a:cs typeface="Calibri"/>
+              </a:rPr>
+              <a:t>above</a:t>
+            </a:r>
+            <a:r>
+              <a:rPr lang="en-US" sz="1800" dirty="0">
+                <a:latin typeface="Calibri"/>
+                <a:cs typeface="Calibri"/>
+              </a:rPr>
+              <a:t> </a:t>
+            </a:r>
+            <a:r>
+              <a:rPr lang="en-US" sz="1800" spc="-10" dirty="0">
+                <a:latin typeface="Calibri"/>
+                <a:cs typeface="Calibri"/>
+              </a:rPr>
+              <a:t>formulae</a:t>
+            </a:r>
+            <a:r>
+              <a:rPr lang="en-US" sz="1800" spc="-5" dirty="0">
+                <a:latin typeface="Calibri"/>
+                <a:cs typeface="Calibri"/>
+              </a:rPr>
+              <a:t> </a:t>
+            </a:r>
+            <a:r>
+              <a:rPr lang="en-US" sz="1800" spc="-10" dirty="0">
+                <a:latin typeface="Calibri"/>
+                <a:cs typeface="Calibri"/>
+              </a:rPr>
+              <a:t>generally</a:t>
+            </a:r>
+            <a:r>
+              <a:rPr lang="en-US" sz="1800" spc="-5" dirty="0">
+                <a:latin typeface="Calibri"/>
+                <a:cs typeface="Calibri"/>
+              </a:rPr>
+              <a:t> tells</a:t>
+            </a:r>
+            <a:r>
+              <a:rPr lang="en-US" sz="1800" dirty="0">
+                <a:latin typeface="Calibri"/>
+                <a:cs typeface="Calibri"/>
+              </a:rPr>
+              <a:t> us the </a:t>
+            </a:r>
+            <a:r>
+              <a:rPr lang="en-US" sz="1800" spc="-5" dirty="0">
+                <a:latin typeface="Calibri"/>
+                <a:cs typeface="Calibri"/>
+              </a:rPr>
+              <a:t>number </a:t>
+            </a:r>
+            <a:r>
+              <a:rPr lang="en-US" sz="1800" spc="-440" dirty="0">
+                <a:latin typeface="Calibri"/>
+                <a:cs typeface="Calibri"/>
+              </a:rPr>
+              <a:t> </a:t>
+            </a:r>
+            <a:r>
+              <a:rPr lang="en-US" sz="1800" spc="-5" dirty="0">
+                <a:latin typeface="Calibri"/>
+                <a:cs typeface="Calibri"/>
+              </a:rPr>
+              <a:t>of </a:t>
+            </a:r>
+            <a:r>
+              <a:rPr lang="en-US" sz="1800" spc="-15" dirty="0">
+                <a:latin typeface="Calibri"/>
+                <a:cs typeface="Calibri"/>
+              </a:rPr>
+              <a:t>relevant</a:t>
+            </a:r>
+            <a:r>
+              <a:rPr lang="en-US" sz="1800" dirty="0">
+                <a:latin typeface="Calibri"/>
+                <a:cs typeface="Calibri"/>
+              </a:rPr>
+              <a:t> </a:t>
+            </a:r>
+            <a:r>
+              <a:rPr lang="en-US" sz="1800" spc="-5" dirty="0">
+                <a:latin typeface="Calibri"/>
+                <a:cs typeface="Calibri"/>
+              </a:rPr>
+              <a:t>documents </a:t>
+            </a:r>
+            <a:r>
+              <a:rPr lang="en-US" sz="1800" spc="-10" dirty="0">
+                <a:latin typeface="Calibri"/>
+                <a:cs typeface="Calibri"/>
+              </a:rPr>
+              <a:t>retrieved</a:t>
+            </a:r>
+            <a:r>
+              <a:rPr lang="en-US" sz="1800" dirty="0">
+                <a:latin typeface="Calibri"/>
+                <a:cs typeface="Calibri"/>
+              </a:rPr>
+              <a:t> </a:t>
+            </a:r>
+            <a:r>
+              <a:rPr lang="en-US" sz="1800" spc="-5" dirty="0">
+                <a:latin typeface="Calibri"/>
+                <a:cs typeface="Calibri"/>
+              </a:rPr>
+              <a:t>out of</a:t>
+            </a:r>
+            <a:r>
+              <a:rPr lang="en-US" sz="1800" dirty="0">
+                <a:latin typeface="Calibri"/>
+                <a:cs typeface="Calibri"/>
+              </a:rPr>
+              <a:t> the</a:t>
+            </a:r>
+            <a:r>
+              <a:rPr lang="en-US" sz="1800" spc="-5" dirty="0">
+                <a:latin typeface="Calibri"/>
+                <a:cs typeface="Calibri"/>
+              </a:rPr>
+              <a:t> </a:t>
+            </a:r>
+            <a:r>
+              <a:rPr lang="en-US" sz="1800" spc="-10" dirty="0">
+                <a:latin typeface="Calibri"/>
+                <a:cs typeface="Calibri"/>
+              </a:rPr>
+              <a:t>total </a:t>
+            </a:r>
+            <a:r>
+              <a:rPr lang="en-US" sz="1800" spc="-5" dirty="0">
+                <a:latin typeface="Calibri"/>
+                <a:cs typeface="Calibri"/>
+              </a:rPr>
+              <a:t> number of</a:t>
+            </a:r>
+            <a:r>
+              <a:rPr lang="en-US" sz="1800" dirty="0">
+                <a:latin typeface="Calibri"/>
+                <a:cs typeface="Calibri"/>
+              </a:rPr>
+              <a:t> </a:t>
+            </a:r>
+            <a:r>
+              <a:rPr lang="en-US" sz="1800" spc="-15" dirty="0">
+                <a:latin typeface="Calibri"/>
+                <a:cs typeface="Calibri"/>
+              </a:rPr>
+              <a:t>relevant</a:t>
+            </a:r>
+            <a:r>
+              <a:rPr lang="en-US" sz="1800" dirty="0">
+                <a:latin typeface="Calibri"/>
+                <a:cs typeface="Calibri"/>
+              </a:rPr>
+              <a:t> </a:t>
+            </a:r>
+            <a:r>
+              <a:rPr lang="en-US" sz="1800" spc="-5" dirty="0">
+                <a:latin typeface="Calibri"/>
+                <a:cs typeface="Calibri"/>
+              </a:rPr>
+              <a:t>documents.</a:t>
+            </a:r>
+            <a:endParaRPr lang="en-US" sz="1800" dirty="0">
+              <a:latin typeface="Calibri"/>
+              <a:cs typeface="Calibri"/>
+            </a:endParaRPr>
+          </a:p>
+          <a:p>
+            <a:pPr lvl="0" algn="just">
+              <a:lnSpc>
+                <a:spcPct val="107000"/>
+              </a:lnSpc>
+              <a:spcBef>
+                <a:spcPts val="1200"/>
+              </a:spcBef>
+            </a:pPr>
+            <a:endParaRPr lang="en-GB" sz="1800" b="1" kern="0" dirty="0">
+              <a:solidFill>
+                <a:srgbClr val="2F5496"/>
+              </a:solidFill>
+              <a:effectLst/>
+              <a:latin typeface="Calibri Light" panose="020F0302020204030204" pitchFamily="34" charset="0"/>
+              <a:ea typeface="Times New Roman" panose="02020603050405020304" pitchFamily="18" charset="0"/>
+              <a:cs typeface="Times New Roman" panose="02020603050405020304" pitchFamily="18" charset="0"/>
+            </a:endParaRPr>
+          </a:p>
+        </p:txBody>
+      </p:sp>
+      <p:pic>
+        <p:nvPicPr>
+          <p:cNvPr id="10" name="object 4">
+            <a:extLst>
+              <a:ext uri="{FF2B5EF4-FFF2-40B4-BE49-F238E27FC236}">
+                <a16:creationId xmlns:a16="http://schemas.microsoft.com/office/drawing/2014/main" id="{66F96447-8C57-4884-9227-28E9846E40EF}"/>
+              </a:ext>
+            </a:extLst>
+          </p:cNvPr>
+          <p:cNvPicPr/>
+          <p:nvPr/>
+        </p:nvPicPr>
+        <p:blipFill>
+          <a:blip r:embed="rId2" cstate="print"/>
+          <a:stretch>
+            <a:fillRect/>
+          </a:stretch>
+        </p:blipFill>
+        <p:spPr>
+          <a:xfrm>
+            <a:off x="1538163" y="3138791"/>
+            <a:ext cx="10353923" cy="1018510"/>
+          </a:xfrm>
+          <a:prstGeom prst="rect">
+            <a:avLst/>
+          </a:prstGeom>
+        </p:spPr>
+      </p:pic>
     </p:spTree>
     <p:extLst>
       <p:ext uri="{BB962C8B-B14F-4D97-AF65-F5344CB8AC3E}">
-        <p14:creationId xmlns:p14="http://schemas.microsoft.com/office/powerpoint/2010/main" val="2109030878"/>
+        <p14:creationId xmlns:p14="http://schemas.microsoft.com/office/powerpoint/2010/main" val="368692166"/>
       </p:ext>
     </p:extLst>
   </p:cSld>
@@ -4373,7 +4956,7 @@
         </p:nvCxnSpPr>
         <p:spPr>
           <a:xfrm flipH="1">
-            <a:off x="1238250" y="1196752"/>
+            <a:off x="1238250" y="1052736"/>
             <a:ext cx="10953750" cy="0"/>
           </a:xfrm>
           <a:prstGeom prst="line">
@@ -4436,10 +5019,10 @@
       </p:sp>
       <p:sp>
         <p:nvSpPr>
-          <p:cNvPr id="2" name="TextBox 1">
-            <a:extLst>
-              <a:ext uri="{FF2B5EF4-FFF2-40B4-BE49-F238E27FC236}">
-                <a16:creationId xmlns:a16="http://schemas.microsoft.com/office/drawing/2014/main" id="{D363D1A4-8D1E-4ED6-8872-1AF421759F68}"/>
+          <p:cNvPr id="8" name="TextBox 7">
+            <a:extLst>
+              <a:ext uri="{FF2B5EF4-FFF2-40B4-BE49-F238E27FC236}">
+                <a16:creationId xmlns:a16="http://schemas.microsoft.com/office/drawing/2014/main" id="{EE568E31-E1D7-430E-95C3-8E9D87EEAA28}"/>
               </a:ext>
             </a:extLst>
           </p:cNvPr>
@@ -4448,8 +5031,8 @@
         </p:nvSpPr>
         <p:spPr>
           <a:xfrm>
-            <a:off x="1238250" y="1556792"/>
-            <a:ext cx="2304256" cy="4862870"/>
+            <a:off x="1127448" y="548680"/>
+            <a:ext cx="10163369" cy="407035"/>
           </a:xfrm>
           <a:prstGeom prst="rect">
             <a:avLst/>
@@ -4457,11 +5040,1245 @@
           <a:noFill/>
         </p:spPr>
         <p:txBody>
+          <a:bodyPr wrap="square">
+            <a:spAutoFit/>
+          </a:bodyPr>
+          <a:lstStyle/>
+          <a:p>
+            <a:pPr lvl="0" algn="just">
+              <a:lnSpc>
+                <a:spcPct val="107000"/>
+              </a:lnSpc>
+              <a:spcBef>
+                <a:spcPts val="1200"/>
+              </a:spcBef>
+            </a:pPr>
+            <a:r>
+              <a:rPr lang="en-GB" sz="2000" b="1" u="sng" kern="0" dirty="0">
+                <a:solidFill>
+                  <a:srgbClr val="2F5496"/>
+                </a:solidFill>
+                <a:effectLst/>
+                <a:latin typeface="Calibri Light" panose="020F0302020204030204" pitchFamily="34" charset="0"/>
+                <a:ea typeface="Times New Roman" panose="02020603050405020304" pitchFamily="18" charset="0"/>
+                <a:cs typeface="Times New Roman" panose="02020603050405020304" pitchFamily="18" charset="0"/>
+              </a:rPr>
+              <a:t>ISSUES FACED</a:t>
+            </a:r>
+            <a:endParaRPr lang="en-GB" sz="2000" b="1" kern="0" dirty="0">
+              <a:solidFill>
+                <a:srgbClr val="2F5496"/>
+              </a:solidFill>
+              <a:effectLst/>
+              <a:latin typeface="Calibri Light" panose="020F0302020204030204" pitchFamily="34" charset="0"/>
+              <a:ea typeface="Times New Roman" panose="02020603050405020304" pitchFamily="18" charset="0"/>
+              <a:cs typeface="Times New Roman" panose="02020603050405020304" pitchFamily="18" charset="0"/>
+            </a:endParaRPr>
+          </a:p>
+        </p:txBody>
+      </p:sp>
+      <p:sp>
+        <p:nvSpPr>
+          <p:cNvPr id="9" name="TextBox 8">
+            <a:extLst>
+              <a:ext uri="{FF2B5EF4-FFF2-40B4-BE49-F238E27FC236}">
+                <a16:creationId xmlns:a16="http://schemas.microsoft.com/office/drawing/2014/main" id="{5F7283D8-208B-4370-99FA-2C59846FF870}"/>
+              </a:ext>
+            </a:extLst>
+          </p:cNvPr>
+          <p:cNvSpPr txBox="1"/>
+          <p:nvPr/>
+        </p:nvSpPr>
+        <p:spPr>
+          <a:xfrm>
+            <a:off x="1127448" y="1171756"/>
+            <a:ext cx="10163369" cy="3970318"/>
+          </a:xfrm>
+          <a:prstGeom prst="rect">
+            <a:avLst/>
+          </a:prstGeom>
+          <a:noFill/>
+        </p:spPr>
+        <p:txBody>
+          <a:bodyPr wrap="square">
+            <a:spAutoFit/>
+          </a:bodyPr>
+          <a:lstStyle/>
+          <a:p>
+            <a:pPr marL="538163" lvl="0" indent="-252413" algn="just">
+              <a:buFont typeface="Arial" panose="020B0604020202020204" pitchFamily="34" charset="0"/>
+              <a:buChar char="•"/>
+            </a:pPr>
+            <a:r>
+              <a:rPr lang="en-US" b="1" kern="0" dirty="0">
+                <a:effectLst/>
+                <a:ea typeface="Times New Roman" panose="02020603050405020304" pitchFamily="18" charset="0"/>
+                <a:cs typeface="Times New Roman" panose="02020603050405020304" pitchFamily="18" charset="0"/>
+              </a:rPr>
+              <a:t>Storage</a:t>
+            </a:r>
+            <a:r>
+              <a:rPr lang="en-US" kern="0" dirty="0">
+                <a:effectLst/>
+                <a:ea typeface="Times New Roman" panose="02020603050405020304" pitchFamily="18" charset="0"/>
+                <a:cs typeface="Times New Roman" panose="02020603050405020304" pitchFamily="18" charset="0"/>
+              </a:rPr>
+              <a:t>: The initial dataset .tar collected was of 10GB. expectation was that the unzipped data might be around 40-50 GB but it was  100GB.</a:t>
+            </a:r>
+          </a:p>
+          <a:p>
+            <a:pPr marL="538163" lvl="0" indent="-252413" algn="just">
+              <a:buFont typeface="Arial" panose="020B0604020202020204" pitchFamily="34" charset="0"/>
+              <a:buChar char="•"/>
+            </a:pPr>
+            <a:r>
+              <a:rPr lang="en-US" b="1" kern="0" dirty="0">
+                <a:ea typeface="Times New Roman" panose="02020603050405020304" pitchFamily="18" charset="0"/>
+                <a:cs typeface="Times New Roman" panose="02020603050405020304" pitchFamily="18" charset="0"/>
+              </a:rPr>
+              <a:t>Processing Unit</a:t>
+            </a:r>
+            <a:r>
+              <a:rPr lang="en-US" kern="0" dirty="0">
+                <a:ea typeface="Times New Roman" panose="02020603050405020304" pitchFamily="18" charset="0"/>
+                <a:cs typeface="Times New Roman" panose="02020603050405020304" pitchFamily="18" charset="0"/>
+              </a:rPr>
+              <a:t>: To process 100 GB of data the </a:t>
+            </a:r>
+            <a:r>
+              <a:rPr lang="en-US" kern="0" dirty="0" err="1">
+                <a:ea typeface="Times New Roman" panose="02020603050405020304" pitchFamily="18" charset="0"/>
+                <a:cs typeface="Times New Roman" panose="02020603050405020304" pitchFamily="18" charset="0"/>
+              </a:rPr>
+              <a:t>colab</a:t>
+            </a:r>
+            <a:r>
+              <a:rPr lang="en-US" kern="0" dirty="0">
+                <a:ea typeface="Times New Roman" panose="02020603050405020304" pitchFamily="18" charset="0"/>
+                <a:cs typeface="Times New Roman" panose="02020603050405020304" pitchFamily="18" charset="0"/>
+              </a:rPr>
+              <a:t> was unreliable as we had to parallel process the data.</a:t>
+            </a:r>
+          </a:p>
+          <a:p>
+            <a:pPr marL="538163" lvl="0" indent="-252413" algn="just">
+              <a:buFont typeface="Arial" panose="020B0604020202020204" pitchFamily="34" charset="0"/>
+              <a:buChar char="•"/>
+            </a:pPr>
+            <a:r>
+              <a:rPr lang="en-US" b="1" kern="0" dirty="0" err="1">
+                <a:ea typeface="Times New Roman" panose="02020603050405020304" pitchFamily="18" charset="0"/>
+                <a:cs typeface="Times New Roman" panose="02020603050405020304" pitchFamily="18" charset="0"/>
+              </a:rPr>
+              <a:t>pyLucene</a:t>
+            </a:r>
+            <a:r>
+              <a:rPr lang="en-US" kern="0" dirty="0">
+                <a:ea typeface="Times New Roman" panose="02020603050405020304" pitchFamily="18" charset="0"/>
+                <a:cs typeface="Times New Roman" panose="02020603050405020304" pitchFamily="18" charset="0"/>
+              </a:rPr>
+              <a:t>:  The initial plan was to build the project in python, but PyLucene uses wrapper class to access Java Lucene-Core, hence the project was moved to Java based implementation.</a:t>
+            </a:r>
+          </a:p>
+          <a:p>
+            <a:pPr marL="538163" lvl="0" indent="-252413" algn="just">
+              <a:buFont typeface="Arial" panose="020B0604020202020204" pitchFamily="34" charset="0"/>
+              <a:buChar char="•"/>
+            </a:pPr>
+            <a:r>
+              <a:rPr lang="en-US" b="1" kern="0" dirty="0">
+                <a:ea typeface="Times New Roman" panose="02020603050405020304" pitchFamily="18" charset="0"/>
+                <a:cs typeface="Times New Roman" panose="02020603050405020304" pitchFamily="18" charset="0"/>
+              </a:rPr>
+              <a:t>Indexing</a:t>
+            </a:r>
+            <a:r>
+              <a:rPr lang="en-US" kern="0" dirty="0">
+                <a:ea typeface="Times New Roman" panose="02020603050405020304" pitchFamily="18" charset="0"/>
+                <a:cs typeface="Times New Roman" panose="02020603050405020304" pitchFamily="18" charset="0"/>
+              </a:rPr>
+              <a:t>: One of the document file had details missing, hence had to re-work on Indexing framework to understand the data. Multiple Analyzer were tested to get the relevant document which led to repeated execution of the framework. </a:t>
+            </a:r>
+          </a:p>
+          <a:p>
+            <a:pPr marL="538163" lvl="0" indent="-252413" algn="just">
+              <a:buFont typeface="Arial" panose="020B0604020202020204" pitchFamily="34" charset="0"/>
+              <a:buChar char="•"/>
+            </a:pPr>
+            <a:r>
+              <a:rPr lang="en-US" b="1" kern="0" dirty="0">
+                <a:ea typeface="Times New Roman" panose="02020603050405020304" pitchFamily="18" charset="0"/>
+                <a:cs typeface="Times New Roman" panose="02020603050405020304" pitchFamily="18" charset="0"/>
+              </a:rPr>
+              <a:t>Lucene Library</a:t>
+            </a:r>
+            <a:r>
+              <a:rPr lang="en-US" kern="0" dirty="0">
+                <a:ea typeface="Times New Roman" panose="02020603050405020304" pitchFamily="18" charset="0"/>
+                <a:cs typeface="Times New Roman" panose="02020603050405020304" pitchFamily="18" charset="0"/>
+              </a:rPr>
+              <a:t>: Few APIs and classes are now deprecated in Lucene 9.1.0, throughout the development process learnt the latest library feature.</a:t>
+            </a:r>
+          </a:p>
+          <a:p>
+            <a:pPr marL="538163" lvl="0" indent="-252413" algn="just">
+              <a:buFont typeface="Arial" panose="020B0604020202020204" pitchFamily="34" charset="0"/>
+              <a:buChar char="•"/>
+            </a:pPr>
+            <a:r>
+              <a:rPr lang="en-US" b="1" kern="0" dirty="0">
+                <a:ea typeface="Times New Roman" panose="02020603050405020304" pitchFamily="18" charset="0"/>
+                <a:cs typeface="Times New Roman" panose="02020603050405020304" pitchFamily="18" charset="0"/>
+              </a:rPr>
+              <a:t>Searching / Retrieval</a:t>
+            </a:r>
+            <a:r>
+              <a:rPr lang="en-US" kern="0" dirty="0">
+                <a:ea typeface="Times New Roman" panose="02020603050405020304" pitchFamily="18" charset="0"/>
+                <a:cs typeface="Times New Roman" panose="02020603050405020304" pitchFamily="18" charset="0"/>
+              </a:rPr>
+              <a:t>: Though the retrieval process result in document with the ranking score. the framework doesn’t not give correct list of relevant document. Further analysis needs to be done to understand.</a:t>
+            </a:r>
+          </a:p>
+        </p:txBody>
+      </p:sp>
+    </p:spTree>
+    <p:extLst>
+      <p:ext uri="{BB962C8B-B14F-4D97-AF65-F5344CB8AC3E}">
+        <p14:creationId xmlns:p14="http://schemas.microsoft.com/office/powerpoint/2010/main" val="4255466750"/>
+      </p:ext>
+    </p:extLst>
+  </p:cSld>
+  <p:clrMapOvr>
+    <a:masterClrMapping/>
+  </p:clrMapOvr>
+</p:sld>
+</file>
+
+<file path=ppt/slides/slide12.xml><?xml version="1.0" encoding="utf-8"?>
+<p:sld xmlns:a="http://schemas.openxmlformats.org/drawingml/2006/main" xmlns:r="http://schemas.openxmlformats.org/officeDocument/2006/relationships" xmlns:p="http://schemas.openxmlformats.org/presentationml/2006/main">
+  <p:cSld>
+    <p:spTree>
+      <p:nvGrpSpPr>
+        <p:cNvPr id="1" name=""/>
+        <p:cNvGrpSpPr/>
+        <p:nvPr/>
+      </p:nvGrpSpPr>
+      <p:grpSpPr>
+        <a:xfrm>
+          <a:off x="0" y="0"/>
+          <a:ext cx="0" cy="0"/>
+          <a:chOff x="0" y="0"/>
+          <a:chExt cx="0" cy="0"/>
+        </a:xfrm>
+      </p:grpSpPr>
+      <p:cxnSp>
+        <p:nvCxnSpPr>
+          <p:cNvPr id="5" name="Straight Connector 4">
+            <a:extLst>
+              <a:ext uri="{FF2B5EF4-FFF2-40B4-BE49-F238E27FC236}">
+                <a16:creationId xmlns:a16="http://schemas.microsoft.com/office/drawing/2014/main" id="{F77FF212-308A-4810-9E92-956F425AF475}"/>
+              </a:ext>
+            </a:extLst>
+          </p:cNvPr>
+          <p:cNvCxnSpPr>
+            <a:cxnSpLocks/>
+          </p:cNvCxnSpPr>
+          <p:nvPr/>
+        </p:nvCxnSpPr>
+        <p:spPr>
+          <a:xfrm flipH="1">
+            <a:off x="1238250" y="1196752"/>
+            <a:ext cx="10953750" cy="0"/>
+          </a:xfrm>
+          <a:prstGeom prst="line">
+            <a:avLst/>
+          </a:prstGeom>
+          <a:ln w="76200">
+            <a:solidFill>
+              <a:srgbClr val="00B0F0"/>
+            </a:solidFill>
+          </a:ln>
+        </p:spPr>
+        <p:style>
+          <a:lnRef idx="1">
+            <a:schemeClr val="accent1"/>
+          </a:lnRef>
+          <a:fillRef idx="0">
+            <a:schemeClr val="accent1"/>
+          </a:fillRef>
+          <a:effectRef idx="0">
+            <a:schemeClr val="accent1"/>
+          </a:effectRef>
+          <a:fontRef idx="minor">
+            <a:schemeClr val="tx1"/>
+          </a:fontRef>
+        </p:style>
+      </p:cxnSp>
+      <p:sp>
+        <p:nvSpPr>
+          <p:cNvPr id="6" name="Footer Placeholder 8">
+            <a:extLst>
+              <a:ext uri="{FF2B5EF4-FFF2-40B4-BE49-F238E27FC236}">
+                <a16:creationId xmlns:a16="http://schemas.microsoft.com/office/drawing/2014/main" id="{B007138D-E4FF-4511-9F98-9436AA525473}"/>
+              </a:ext>
+            </a:extLst>
+          </p:cNvPr>
+          <p:cNvSpPr>
+            <a:spLocks noGrp="1"/>
+          </p:cNvSpPr>
+          <p:nvPr>
+            <p:ph type="ftr" sz="quarter" idx="11"/>
+          </p:nvPr>
+        </p:nvSpPr>
+        <p:spPr>
+          <a:xfrm>
+            <a:off x="4038600" y="6356350"/>
+            <a:ext cx="4114800" cy="365125"/>
+          </a:xfrm>
+        </p:spPr>
+        <p:txBody>
+          <a:bodyPr/>
+          <a:lstStyle/>
+          <a:p>
+            <a:r>
+              <a:rPr lang="en-US" dirty="0"/>
+              <a:t>Queen Mary University of London</a:t>
+            </a:r>
+            <a:endParaRPr lang="en-GB" dirty="0"/>
+          </a:p>
+        </p:txBody>
+      </p:sp>
+      <p:sp>
+        <p:nvSpPr>
+          <p:cNvPr id="2" name="TextBox 1">
+            <a:extLst>
+              <a:ext uri="{FF2B5EF4-FFF2-40B4-BE49-F238E27FC236}">
+                <a16:creationId xmlns:a16="http://schemas.microsoft.com/office/drawing/2014/main" id="{D363D1A4-8D1E-4ED6-8872-1AF421759F68}"/>
+              </a:ext>
+            </a:extLst>
+          </p:cNvPr>
+          <p:cNvSpPr txBox="1"/>
+          <p:nvPr/>
+        </p:nvSpPr>
+        <p:spPr>
+          <a:xfrm>
+            <a:off x="1238250" y="1556792"/>
+            <a:ext cx="10186342" cy="2713820"/>
+          </a:xfrm>
+          <a:prstGeom prst="rect">
+            <a:avLst/>
+          </a:prstGeom>
+          <a:noFill/>
+        </p:spPr>
+        <p:txBody>
           <a:bodyPr wrap="square" rtlCol="0">
             <a:spAutoFit/>
           </a:bodyPr>
           <a:lstStyle/>
           <a:p>
+            <a:pPr marL="298450" indent="-285750">
+              <a:lnSpc>
+                <a:spcPct val="100000"/>
+              </a:lnSpc>
+              <a:spcBef>
+                <a:spcPts val="100"/>
+              </a:spcBef>
+              <a:buFont typeface="Arial" panose="020B0604020202020204" pitchFamily="34" charset="0"/>
+              <a:buChar char="•"/>
+            </a:pPr>
+            <a:r>
+              <a:rPr lang="en-US" sz="1800" b="1" spc="-5" dirty="0">
+                <a:latin typeface="Calibri"/>
+                <a:cs typeface="Calibri"/>
+              </a:rPr>
+              <a:t>Indexing</a:t>
+            </a:r>
+            <a:r>
+              <a:rPr lang="en-US" sz="1800" spc="-5" dirty="0">
+                <a:latin typeface="Calibri"/>
+                <a:cs typeface="Calibri"/>
+              </a:rPr>
+              <a:t>: </a:t>
+            </a:r>
+            <a:r>
+              <a:rPr lang="en-US" sz="1800" spc="-10" dirty="0">
+                <a:latin typeface="Calibri"/>
+                <a:cs typeface="Calibri"/>
+              </a:rPr>
+              <a:t>Merge</a:t>
+            </a:r>
+            <a:r>
+              <a:rPr lang="en-US" sz="1800" spc="-5" dirty="0">
+                <a:latin typeface="Calibri"/>
+                <a:cs typeface="Calibri"/>
+              </a:rPr>
+              <a:t> document</a:t>
+            </a:r>
+            <a:r>
+              <a:rPr lang="en-US" sz="1800" dirty="0">
+                <a:latin typeface="Calibri"/>
+                <a:cs typeface="Calibri"/>
+              </a:rPr>
+              <a:t> </a:t>
+            </a:r>
+            <a:r>
+              <a:rPr lang="en-US" sz="1800" spc="-5" dirty="0">
+                <a:latin typeface="Calibri"/>
+                <a:cs typeface="Calibri"/>
+              </a:rPr>
+              <a:t>processing </a:t>
+            </a:r>
+            <a:r>
+              <a:rPr lang="en-US" sz="1800" dirty="0">
+                <a:latin typeface="Calibri"/>
+                <a:cs typeface="Calibri"/>
+              </a:rPr>
+              <a:t>and</a:t>
+            </a:r>
+            <a:r>
+              <a:rPr lang="en-US" sz="1800" spc="-5" dirty="0">
+                <a:latin typeface="Calibri"/>
+                <a:cs typeface="Calibri"/>
+              </a:rPr>
+              <a:t> Indexing</a:t>
+            </a:r>
+            <a:r>
+              <a:rPr lang="en-US" sz="1800" dirty="0">
+                <a:latin typeface="Calibri"/>
+                <a:cs typeface="Calibri"/>
+              </a:rPr>
+              <a:t> </a:t>
+            </a:r>
+            <a:r>
+              <a:rPr lang="en-US" sz="1800" spc="-10" dirty="0">
+                <a:latin typeface="Calibri"/>
+                <a:cs typeface="Calibri"/>
+              </a:rPr>
+              <a:t>rather</a:t>
+            </a:r>
+            <a:r>
+              <a:rPr lang="en-US" sz="1800" spc="-5" dirty="0">
+                <a:latin typeface="Calibri"/>
+                <a:cs typeface="Calibri"/>
+              </a:rPr>
+              <a:t> </a:t>
+            </a:r>
+            <a:r>
+              <a:rPr lang="en-US" sz="1800" dirty="0">
+                <a:latin typeface="Calibri"/>
+                <a:cs typeface="Calibri"/>
+              </a:rPr>
+              <a:t>than </a:t>
+            </a:r>
+            <a:r>
+              <a:rPr lang="en-US" sz="1800" spc="-5" dirty="0">
+                <a:latin typeface="Calibri"/>
+                <a:cs typeface="Calibri"/>
+              </a:rPr>
+              <a:t>having </a:t>
+            </a:r>
+            <a:r>
+              <a:rPr lang="en-US" sz="1800" spc="-10" dirty="0">
+                <a:latin typeface="Calibri"/>
+                <a:cs typeface="Calibri"/>
+              </a:rPr>
+              <a:t>two</a:t>
+            </a:r>
+            <a:r>
+              <a:rPr lang="en-US" sz="1800" spc="-5" dirty="0">
+                <a:latin typeface="Calibri"/>
+                <a:cs typeface="Calibri"/>
+              </a:rPr>
+              <a:t> </a:t>
+            </a:r>
+            <a:r>
+              <a:rPr lang="en-US" sz="1800" spc="-10" dirty="0">
+                <a:latin typeface="Calibri"/>
+                <a:cs typeface="Calibri"/>
+              </a:rPr>
+              <a:t>separate</a:t>
+            </a:r>
+            <a:r>
+              <a:rPr lang="en-US" sz="1800" dirty="0">
+                <a:latin typeface="Calibri"/>
+                <a:cs typeface="Calibri"/>
+              </a:rPr>
+              <a:t> </a:t>
+            </a:r>
+            <a:r>
+              <a:rPr lang="en-US" sz="1800" spc="-10" dirty="0">
+                <a:latin typeface="Calibri"/>
+                <a:cs typeface="Calibri"/>
+              </a:rPr>
+              <a:t>steps.</a:t>
+            </a:r>
+          </a:p>
+          <a:p>
+            <a:pPr marL="298450" indent="-285750">
+              <a:lnSpc>
+                <a:spcPct val="100000"/>
+              </a:lnSpc>
+              <a:spcBef>
+                <a:spcPts val="100"/>
+              </a:spcBef>
+              <a:buFont typeface="Arial" panose="020B0604020202020204" pitchFamily="34" charset="0"/>
+              <a:buChar char="•"/>
+            </a:pPr>
+            <a:endParaRPr lang="en-US" spc="-10" dirty="0">
+              <a:latin typeface="Calibri"/>
+              <a:cs typeface="Calibri"/>
+            </a:endParaRPr>
+          </a:p>
+          <a:p>
+            <a:pPr marL="298450" indent="-285750">
+              <a:spcBef>
+                <a:spcPts val="100"/>
+              </a:spcBef>
+              <a:buFont typeface="Arial" panose="020B0604020202020204" pitchFamily="34" charset="0"/>
+              <a:buChar char="•"/>
+            </a:pPr>
+            <a:r>
+              <a:rPr lang="en-US" sz="1800" b="1" spc="-10" dirty="0">
+                <a:latin typeface="Calibri"/>
+                <a:cs typeface="Calibri"/>
+              </a:rPr>
+              <a:t>Custom</a:t>
+            </a:r>
+            <a:r>
+              <a:rPr lang="en-US" sz="1800" b="1" dirty="0">
+                <a:latin typeface="Calibri"/>
+                <a:cs typeface="Calibri"/>
+              </a:rPr>
+              <a:t> </a:t>
+            </a:r>
+            <a:r>
+              <a:rPr lang="en-US" sz="1800" b="1" spc="-10" dirty="0">
+                <a:latin typeface="Calibri"/>
+                <a:cs typeface="Calibri"/>
+              </a:rPr>
+              <a:t>Analyzer:</a:t>
+            </a:r>
+            <a:r>
+              <a:rPr lang="en-US" sz="1800" b="1" spc="5" dirty="0">
+                <a:latin typeface="Calibri"/>
+                <a:cs typeface="Calibri"/>
+              </a:rPr>
+              <a:t> </a:t>
+            </a:r>
+            <a:r>
+              <a:rPr lang="en-US" sz="1800" spc="-10" dirty="0">
+                <a:latin typeface="Calibri"/>
+                <a:cs typeface="Calibri"/>
+              </a:rPr>
+              <a:t>Custom</a:t>
+            </a:r>
+            <a:r>
+              <a:rPr lang="en-US" sz="1800" spc="5" dirty="0">
+                <a:latin typeface="Calibri"/>
+                <a:cs typeface="Calibri"/>
+              </a:rPr>
+              <a:t> </a:t>
+            </a:r>
+            <a:r>
+              <a:rPr lang="en-US" sz="1800" spc="-15" dirty="0">
+                <a:latin typeface="Calibri"/>
+                <a:cs typeface="Calibri"/>
+              </a:rPr>
+              <a:t>tokenizer</a:t>
+            </a:r>
+            <a:r>
+              <a:rPr lang="en-US" sz="1800" spc="5" dirty="0">
+                <a:latin typeface="Calibri"/>
+                <a:cs typeface="Calibri"/>
+              </a:rPr>
+              <a:t> </a:t>
+            </a:r>
+            <a:r>
+              <a:rPr lang="en-US" sz="1800" dirty="0">
+                <a:latin typeface="Calibri"/>
+                <a:cs typeface="Calibri"/>
+              </a:rPr>
+              <a:t>and </a:t>
+            </a:r>
+            <a:r>
+              <a:rPr lang="en-US" sz="1800" spc="-5" dirty="0">
+                <a:latin typeface="Calibri"/>
+                <a:cs typeface="Calibri"/>
+              </a:rPr>
+              <a:t>multiple</a:t>
+            </a:r>
+            <a:r>
+              <a:rPr lang="en-US" sz="1800" spc="5" dirty="0">
+                <a:latin typeface="Calibri"/>
+                <a:cs typeface="Calibri"/>
+              </a:rPr>
+              <a:t> </a:t>
+            </a:r>
+            <a:r>
+              <a:rPr lang="en-US" sz="1800" spc="-20" dirty="0">
+                <a:latin typeface="Calibri"/>
+                <a:cs typeface="Calibri"/>
+              </a:rPr>
+              <a:t>token</a:t>
+            </a:r>
+            <a:r>
+              <a:rPr lang="en-US" sz="1800" spc="5" dirty="0">
+                <a:latin typeface="Calibri"/>
+                <a:cs typeface="Calibri"/>
+              </a:rPr>
+              <a:t> </a:t>
+            </a:r>
+            <a:r>
+              <a:rPr lang="en-US" sz="1800" spc="-5" dirty="0">
+                <a:latin typeface="Calibri"/>
+                <a:cs typeface="Calibri"/>
+              </a:rPr>
+              <a:t>filter</a:t>
+            </a:r>
+            <a:r>
+              <a:rPr lang="en-US" sz="1800" spc="5" dirty="0">
+                <a:latin typeface="Calibri"/>
+                <a:cs typeface="Calibri"/>
+              </a:rPr>
+              <a:t> </a:t>
+            </a:r>
+            <a:r>
+              <a:rPr lang="en-US" sz="1800" spc="-5" dirty="0">
+                <a:latin typeface="Calibri"/>
+                <a:cs typeface="Calibri"/>
+              </a:rPr>
+              <a:t>could</a:t>
+            </a:r>
+            <a:r>
+              <a:rPr lang="en-US" sz="1800" dirty="0">
+                <a:latin typeface="Calibri"/>
+                <a:cs typeface="Calibri"/>
+              </a:rPr>
+              <a:t> be</a:t>
+            </a:r>
+            <a:r>
+              <a:rPr lang="en-US" sz="1800" spc="5" dirty="0">
+                <a:latin typeface="Calibri"/>
+                <a:cs typeface="Calibri"/>
+              </a:rPr>
+              <a:t> </a:t>
+            </a:r>
+            <a:r>
+              <a:rPr lang="en-US" sz="1800" spc="-5" dirty="0">
+                <a:latin typeface="Calibri"/>
+                <a:cs typeface="Calibri"/>
+              </a:rPr>
+              <a:t>implemented.</a:t>
+            </a:r>
+            <a:endParaRPr lang="en-US" sz="1800" dirty="0">
+              <a:latin typeface="Calibri"/>
+              <a:cs typeface="Calibri"/>
+            </a:endParaRPr>
+          </a:p>
+          <a:p>
+            <a:pPr marL="12700">
+              <a:lnSpc>
+                <a:spcPct val="100000"/>
+              </a:lnSpc>
+              <a:spcBef>
+                <a:spcPts val="100"/>
+              </a:spcBef>
+            </a:pPr>
+            <a:endParaRPr lang="en-US" spc="-10" dirty="0">
+              <a:latin typeface="Calibri"/>
+              <a:cs typeface="Calibri"/>
+            </a:endParaRPr>
+          </a:p>
+          <a:p>
+            <a:pPr marL="298450" indent="-285750">
+              <a:spcBef>
+                <a:spcPts val="100"/>
+              </a:spcBef>
+              <a:buFont typeface="Arial" panose="020B0604020202020204" pitchFamily="34" charset="0"/>
+              <a:buChar char="•"/>
+            </a:pPr>
+            <a:r>
+              <a:rPr lang="en-GB" sz="1800" b="1" spc="-15" dirty="0">
+                <a:latin typeface="Calibri"/>
+                <a:cs typeface="Calibri"/>
+              </a:rPr>
+              <a:t>Evaluation/Validation</a:t>
+            </a:r>
+            <a:r>
+              <a:rPr lang="en-GB" sz="1800" spc="-15" dirty="0">
+                <a:latin typeface="Calibri"/>
+                <a:cs typeface="Calibri"/>
+              </a:rPr>
+              <a:t>:</a:t>
+            </a:r>
+            <a:r>
+              <a:rPr lang="en-GB" sz="1800" spc="20" dirty="0">
+                <a:latin typeface="Calibri"/>
+                <a:cs typeface="Calibri"/>
+              </a:rPr>
+              <a:t> </a:t>
+            </a:r>
+            <a:r>
+              <a:rPr lang="en-GB" sz="1800" spc="-15" dirty="0">
+                <a:latin typeface="Calibri"/>
+                <a:cs typeface="Calibri"/>
+              </a:rPr>
+              <a:t>Investigation</a:t>
+            </a:r>
+            <a:r>
+              <a:rPr lang="en-GB" sz="1800" spc="25" dirty="0">
+                <a:latin typeface="Calibri"/>
+                <a:cs typeface="Calibri"/>
+              </a:rPr>
+              <a:t> </a:t>
+            </a:r>
+            <a:r>
+              <a:rPr lang="en-GB" sz="1800" spc="-5" dirty="0">
+                <a:latin typeface="Calibri"/>
+                <a:cs typeface="Calibri"/>
+              </a:rPr>
+              <a:t>on</a:t>
+            </a:r>
+            <a:r>
+              <a:rPr lang="en-GB" sz="1800" spc="25" dirty="0">
+                <a:latin typeface="Calibri"/>
+                <a:cs typeface="Calibri"/>
+              </a:rPr>
+              <a:t> </a:t>
+            </a:r>
+            <a:r>
+              <a:rPr lang="en-GB" sz="1800" spc="-10" dirty="0">
+                <a:latin typeface="Calibri"/>
+                <a:cs typeface="Calibri"/>
+              </a:rPr>
+              <a:t>current</a:t>
+            </a:r>
+            <a:r>
+              <a:rPr lang="en-GB" sz="1800" spc="25" dirty="0">
+                <a:latin typeface="Calibri"/>
+                <a:cs typeface="Calibri"/>
+              </a:rPr>
+              <a:t> </a:t>
+            </a:r>
+            <a:r>
+              <a:rPr lang="en-GB" sz="1800" spc="-5" dirty="0">
+                <a:latin typeface="Calibri"/>
+                <a:cs typeface="Calibri"/>
+              </a:rPr>
+              <a:t>model.</a:t>
+            </a:r>
+            <a:endParaRPr lang="en-GB" sz="1800" dirty="0">
+              <a:latin typeface="Calibri"/>
+              <a:cs typeface="Calibri"/>
+            </a:endParaRPr>
+          </a:p>
+          <a:p>
+            <a:pPr marL="755650" lvl="1" indent="-285750">
+              <a:spcBef>
+                <a:spcPts val="240"/>
+              </a:spcBef>
+              <a:buChar char="-"/>
+              <a:tabLst>
+                <a:tab pos="297815" algn="l"/>
+                <a:tab pos="298450" algn="l"/>
+              </a:tabLst>
+            </a:pPr>
+            <a:r>
+              <a:rPr lang="en-US" spc="-10" dirty="0">
+                <a:latin typeface="Calibri"/>
+                <a:cs typeface="Calibri"/>
+              </a:rPr>
+              <a:t>Appropriate</a:t>
+            </a:r>
+            <a:r>
+              <a:rPr lang="en-US" spc="-5" dirty="0">
+                <a:latin typeface="Calibri"/>
+                <a:cs typeface="Calibri"/>
+              </a:rPr>
+              <a:t> Similarity</a:t>
+            </a:r>
+            <a:r>
+              <a:rPr lang="en-US" spc="-10" dirty="0">
+                <a:latin typeface="Calibri"/>
+                <a:cs typeface="Calibri"/>
+              </a:rPr>
+              <a:t> </a:t>
+            </a:r>
+            <a:r>
+              <a:rPr lang="en-US" spc="-5" dirty="0">
+                <a:latin typeface="Calibri"/>
+                <a:cs typeface="Calibri"/>
+              </a:rPr>
+              <a:t>measure </a:t>
+            </a:r>
+            <a:r>
+              <a:rPr lang="en-US" spc="-10" dirty="0">
+                <a:latin typeface="Calibri"/>
+                <a:cs typeface="Calibri"/>
+              </a:rPr>
+              <a:t>to</a:t>
+            </a:r>
+            <a:r>
+              <a:rPr lang="en-US" spc="-5" dirty="0">
+                <a:latin typeface="Calibri"/>
+                <a:cs typeface="Calibri"/>
+              </a:rPr>
+              <a:t> </a:t>
+            </a:r>
+            <a:r>
+              <a:rPr lang="en-US" dirty="0">
+                <a:latin typeface="Calibri"/>
+                <a:cs typeface="Calibri"/>
+              </a:rPr>
+              <a:t>use.</a:t>
+            </a:r>
+          </a:p>
+          <a:p>
+            <a:pPr marL="755650" marR="5080" lvl="1" indent="-285750">
+              <a:lnSpc>
+                <a:spcPct val="106500"/>
+              </a:lnSpc>
+              <a:buChar char="-"/>
+              <a:tabLst>
+                <a:tab pos="297815" algn="l"/>
+                <a:tab pos="298450" algn="l"/>
+              </a:tabLst>
+            </a:pPr>
+            <a:r>
+              <a:rPr lang="en-US" spc="-20" dirty="0">
+                <a:latin typeface="Calibri"/>
+                <a:cs typeface="Calibri"/>
+              </a:rPr>
+              <a:t>Analyzer(Tokenizer</a:t>
+            </a:r>
+            <a:r>
+              <a:rPr lang="en-US" spc="185" dirty="0">
+                <a:latin typeface="Calibri"/>
+                <a:cs typeface="Calibri"/>
+              </a:rPr>
+              <a:t> </a:t>
+            </a:r>
+            <a:r>
+              <a:rPr lang="en-US" dirty="0">
+                <a:latin typeface="Calibri"/>
+                <a:cs typeface="Calibri"/>
+              </a:rPr>
+              <a:t>and</a:t>
+            </a:r>
+            <a:r>
+              <a:rPr lang="en-US" spc="185" dirty="0">
+                <a:latin typeface="Calibri"/>
+                <a:cs typeface="Calibri"/>
+              </a:rPr>
+              <a:t> </a:t>
+            </a:r>
+            <a:r>
+              <a:rPr lang="en-US" spc="-45" dirty="0">
+                <a:latin typeface="Calibri"/>
+                <a:cs typeface="Calibri"/>
+              </a:rPr>
+              <a:t>Token</a:t>
+            </a:r>
+            <a:r>
+              <a:rPr lang="en-US" spc="185" dirty="0">
+                <a:latin typeface="Calibri"/>
+                <a:cs typeface="Calibri"/>
+              </a:rPr>
+              <a:t> </a:t>
+            </a:r>
+            <a:r>
+              <a:rPr lang="en-US" spc="-5" dirty="0">
+                <a:latin typeface="Calibri"/>
+                <a:cs typeface="Calibri"/>
+              </a:rPr>
+              <a:t>Filter)</a:t>
+            </a:r>
+            <a:r>
+              <a:rPr lang="en-US" spc="185" dirty="0">
+                <a:latin typeface="Calibri"/>
+                <a:cs typeface="Calibri"/>
+              </a:rPr>
+              <a:t> </a:t>
+            </a:r>
+            <a:r>
+              <a:rPr lang="en-US" dirty="0">
+                <a:latin typeface="Calibri"/>
+                <a:cs typeface="Calibri"/>
+              </a:rPr>
+              <a:t>used</a:t>
+            </a:r>
+            <a:r>
+              <a:rPr lang="en-US" spc="185" dirty="0">
+                <a:latin typeface="Calibri"/>
+                <a:cs typeface="Calibri"/>
+              </a:rPr>
+              <a:t> </a:t>
+            </a:r>
+            <a:r>
+              <a:rPr lang="en-US" spc="-10" dirty="0">
+                <a:latin typeface="Calibri"/>
+                <a:cs typeface="Calibri"/>
+              </a:rPr>
+              <a:t>to</a:t>
+            </a:r>
+            <a:r>
+              <a:rPr lang="en-US" spc="185" dirty="0">
+                <a:latin typeface="Calibri"/>
+                <a:cs typeface="Calibri"/>
+              </a:rPr>
+              <a:t> </a:t>
+            </a:r>
+            <a:r>
+              <a:rPr lang="en-US" spc="-10" dirty="0">
+                <a:latin typeface="Calibri"/>
+                <a:cs typeface="Calibri"/>
+              </a:rPr>
+              <a:t>index</a:t>
+            </a:r>
+            <a:r>
+              <a:rPr lang="en-US" spc="185" dirty="0">
+                <a:latin typeface="Calibri"/>
+                <a:cs typeface="Calibri"/>
+              </a:rPr>
+              <a:t> </a:t>
+            </a:r>
+            <a:r>
+              <a:rPr lang="en-US" dirty="0">
+                <a:latin typeface="Calibri"/>
+                <a:cs typeface="Calibri"/>
+              </a:rPr>
+              <a:t>and</a:t>
+            </a:r>
+            <a:r>
+              <a:rPr lang="en-US" spc="185" dirty="0">
+                <a:latin typeface="Calibri"/>
+                <a:cs typeface="Calibri"/>
+              </a:rPr>
+              <a:t> </a:t>
+            </a:r>
+            <a:r>
+              <a:rPr lang="en-US" spc="-5" dirty="0">
+                <a:latin typeface="Calibri"/>
+                <a:cs typeface="Calibri"/>
+              </a:rPr>
+              <a:t>search</a:t>
+            </a:r>
+            <a:r>
+              <a:rPr lang="en-US" spc="185" dirty="0">
+                <a:latin typeface="Calibri"/>
+                <a:cs typeface="Calibri"/>
+              </a:rPr>
+              <a:t> </a:t>
+            </a:r>
+            <a:r>
+              <a:rPr lang="en-US" spc="-15" dirty="0">
+                <a:latin typeface="Calibri"/>
+                <a:cs typeface="Calibri"/>
+              </a:rPr>
+              <a:t>for</a:t>
+            </a:r>
+            <a:r>
+              <a:rPr lang="en-US" spc="185" dirty="0">
+                <a:latin typeface="Calibri"/>
+                <a:cs typeface="Calibri"/>
+              </a:rPr>
+              <a:t> </a:t>
+            </a:r>
+            <a:r>
+              <a:rPr lang="en-US" spc="-15" dirty="0">
+                <a:latin typeface="Calibri"/>
+                <a:cs typeface="Calibri"/>
+              </a:rPr>
+              <a:t>text</a:t>
+            </a:r>
+            <a:r>
+              <a:rPr lang="en-US" spc="185" dirty="0">
+                <a:latin typeface="Calibri"/>
+                <a:cs typeface="Calibri"/>
+              </a:rPr>
+              <a:t> </a:t>
+            </a:r>
+            <a:r>
+              <a:rPr lang="en-US" spc="-10" dirty="0">
+                <a:latin typeface="Calibri"/>
+                <a:cs typeface="Calibri"/>
+              </a:rPr>
+              <a:t>retrieval</a:t>
+            </a:r>
+            <a:r>
+              <a:rPr lang="en-US" spc="185" dirty="0">
+                <a:latin typeface="Calibri"/>
+                <a:cs typeface="Calibri"/>
+              </a:rPr>
+              <a:t> </a:t>
+            </a:r>
+            <a:r>
+              <a:rPr lang="en-US" spc="-5" dirty="0">
+                <a:latin typeface="Calibri"/>
+                <a:cs typeface="Calibri"/>
+              </a:rPr>
+              <a:t>pertaining</a:t>
+            </a:r>
+            <a:r>
+              <a:rPr lang="en-US" spc="185" dirty="0">
+                <a:latin typeface="Calibri"/>
+                <a:cs typeface="Calibri"/>
+              </a:rPr>
+              <a:t> </a:t>
+            </a:r>
+            <a:r>
+              <a:rPr lang="en-US" spc="-10" dirty="0">
+                <a:latin typeface="Calibri"/>
+                <a:cs typeface="Calibri"/>
+              </a:rPr>
+              <a:t>to </a:t>
+            </a:r>
+            <a:r>
+              <a:rPr lang="en-US" spc="-395" dirty="0">
+                <a:latin typeface="Calibri"/>
+                <a:cs typeface="Calibri"/>
+              </a:rPr>
+              <a:t> </a:t>
+            </a:r>
+            <a:r>
+              <a:rPr lang="en-US" spc="-5" dirty="0">
+                <a:latin typeface="Calibri"/>
+                <a:cs typeface="Calibri"/>
+              </a:rPr>
+              <a:t>clinical linguistic</a:t>
+            </a:r>
+            <a:r>
+              <a:rPr lang="en-US" dirty="0">
+                <a:latin typeface="Calibri"/>
+                <a:cs typeface="Calibri"/>
+              </a:rPr>
+              <a:t> </a:t>
+            </a:r>
+            <a:r>
+              <a:rPr lang="en-US" spc="-10" dirty="0">
+                <a:latin typeface="Calibri"/>
+                <a:cs typeface="Calibri"/>
+              </a:rPr>
+              <a:t>data.</a:t>
+            </a:r>
+            <a:endParaRPr lang="en-US" dirty="0">
+              <a:latin typeface="Calibri"/>
+              <a:cs typeface="Calibri"/>
+            </a:endParaRPr>
+          </a:p>
+          <a:p>
+            <a:pPr marL="298450" indent="-285750">
+              <a:lnSpc>
+                <a:spcPct val="100000"/>
+              </a:lnSpc>
+              <a:spcBef>
+                <a:spcPts val="100"/>
+              </a:spcBef>
+              <a:buFont typeface="Arial" panose="020B0604020202020204" pitchFamily="34" charset="0"/>
+              <a:buChar char="•"/>
+            </a:pPr>
+            <a:endParaRPr lang="en-US" sz="1800" dirty="0">
+              <a:latin typeface="Calibri"/>
+              <a:cs typeface="Calibri"/>
+            </a:endParaRPr>
+          </a:p>
+        </p:txBody>
+      </p:sp>
+      <p:sp>
+        <p:nvSpPr>
+          <p:cNvPr id="7" name="TextBox 6">
+            <a:extLst>
+              <a:ext uri="{FF2B5EF4-FFF2-40B4-BE49-F238E27FC236}">
+                <a16:creationId xmlns:a16="http://schemas.microsoft.com/office/drawing/2014/main" id="{8DF402B4-B881-49A2-93EB-8F4BE20FAC0C}"/>
+              </a:ext>
+            </a:extLst>
+          </p:cNvPr>
+          <p:cNvSpPr txBox="1"/>
+          <p:nvPr/>
+        </p:nvSpPr>
+        <p:spPr>
+          <a:xfrm>
+            <a:off x="1127448" y="548680"/>
+            <a:ext cx="10163369" cy="407035"/>
+          </a:xfrm>
+          <a:prstGeom prst="rect">
+            <a:avLst/>
+          </a:prstGeom>
+          <a:noFill/>
+        </p:spPr>
+        <p:txBody>
+          <a:bodyPr wrap="square">
+            <a:spAutoFit/>
+          </a:bodyPr>
+          <a:lstStyle/>
+          <a:p>
+            <a:pPr lvl="0" algn="just">
+              <a:lnSpc>
+                <a:spcPct val="107000"/>
+              </a:lnSpc>
+              <a:spcBef>
+                <a:spcPts val="1200"/>
+              </a:spcBef>
+            </a:pPr>
+            <a:r>
+              <a:rPr lang="en-US" sz="2000" b="1" u="sng" kern="0" dirty="0">
+                <a:solidFill>
+                  <a:srgbClr val="2F5496"/>
+                </a:solidFill>
+                <a:latin typeface="Calibri Light" panose="020F0302020204030204" pitchFamily="34" charset="0"/>
+                <a:ea typeface="Times New Roman" panose="02020603050405020304" pitchFamily="18" charset="0"/>
+                <a:cs typeface="Times New Roman" panose="02020603050405020304" pitchFamily="18" charset="0"/>
+              </a:rPr>
+              <a:t>FURTHER IMPROVEMENT</a:t>
+            </a:r>
+            <a:endParaRPr lang="en-GB" sz="2000" b="1" kern="0" dirty="0">
+              <a:solidFill>
+                <a:srgbClr val="2F5496"/>
+              </a:solidFill>
+              <a:effectLst/>
+              <a:latin typeface="Calibri Light" panose="020F0302020204030204" pitchFamily="34" charset="0"/>
+              <a:ea typeface="Times New Roman" panose="02020603050405020304" pitchFamily="18" charset="0"/>
+              <a:cs typeface="Times New Roman" panose="02020603050405020304" pitchFamily="18" charset="0"/>
+            </a:endParaRPr>
+          </a:p>
+        </p:txBody>
+      </p:sp>
+    </p:spTree>
+    <p:extLst>
+      <p:ext uri="{BB962C8B-B14F-4D97-AF65-F5344CB8AC3E}">
+        <p14:creationId xmlns:p14="http://schemas.microsoft.com/office/powerpoint/2010/main" val="2296681658"/>
+      </p:ext>
+    </p:extLst>
+  </p:cSld>
+  <p:clrMapOvr>
+    <a:masterClrMapping/>
+  </p:clrMapOvr>
+</p:sld>
+</file>
+
+<file path=ppt/slides/slide13.xml><?xml version="1.0" encoding="utf-8"?>
+<p:sld xmlns:a="http://schemas.openxmlformats.org/drawingml/2006/main" xmlns:r="http://schemas.openxmlformats.org/officeDocument/2006/relationships" xmlns:p="http://schemas.openxmlformats.org/presentationml/2006/main">
+  <p:cSld>
+    <p:spTree>
+      <p:nvGrpSpPr>
+        <p:cNvPr id="1" name=""/>
+        <p:cNvGrpSpPr/>
+        <p:nvPr/>
+      </p:nvGrpSpPr>
+      <p:grpSpPr>
+        <a:xfrm>
+          <a:off x="0" y="0"/>
+          <a:ext cx="0" cy="0"/>
+          <a:chOff x="0" y="0"/>
+          <a:chExt cx="0" cy="0"/>
+        </a:xfrm>
+      </p:grpSpPr>
+      <p:cxnSp>
+        <p:nvCxnSpPr>
+          <p:cNvPr id="5" name="Straight Connector 4">
+            <a:extLst>
+              <a:ext uri="{FF2B5EF4-FFF2-40B4-BE49-F238E27FC236}">
+                <a16:creationId xmlns:a16="http://schemas.microsoft.com/office/drawing/2014/main" id="{F77FF212-308A-4810-9E92-956F425AF475}"/>
+              </a:ext>
+            </a:extLst>
+          </p:cNvPr>
+          <p:cNvCxnSpPr>
+            <a:cxnSpLocks/>
+          </p:cNvCxnSpPr>
+          <p:nvPr/>
+        </p:nvCxnSpPr>
+        <p:spPr>
+          <a:xfrm flipH="1">
+            <a:off x="1238250" y="1196752"/>
+            <a:ext cx="10953750" cy="0"/>
+          </a:xfrm>
+          <a:prstGeom prst="line">
+            <a:avLst/>
+          </a:prstGeom>
+          <a:ln w="76200">
+            <a:solidFill>
+              <a:srgbClr val="00B0F0"/>
+            </a:solidFill>
+          </a:ln>
+        </p:spPr>
+        <p:style>
+          <a:lnRef idx="1">
+            <a:schemeClr val="accent1"/>
+          </a:lnRef>
+          <a:fillRef idx="0">
+            <a:schemeClr val="accent1"/>
+          </a:fillRef>
+          <a:effectRef idx="0">
+            <a:schemeClr val="accent1"/>
+          </a:effectRef>
+          <a:fontRef idx="minor">
+            <a:schemeClr val="tx1"/>
+          </a:fontRef>
+        </p:style>
+      </p:cxnSp>
+      <p:sp>
+        <p:nvSpPr>
+          <p:cNvPr id="6" name="Footer Placeholder 8">
+            <a:extLst>
+              <a:ext uri="{FF2B5EF4-FFF2-40B4-BE49-F238E27FC236}">
+                <a16:creationId xmlns:a16="http://schemas.microsoft.com/office/drawing/2014/main" id="{B007138D-E4FF-4511-9F98-9436AA525473}"/>
+              </a:ext>
+            </a:extLst>
+          </p:cNvPr>
+          <p:cNvSpPr>
+            <a:spLocks noGrp="1"/>
+          </p:cNvSpPr>
+          <p:nvPr>
+            <p:ph type="ftr" sz="quarter" idx="11"/>
+          </p:nvPr>
+        </p:nvSpPr>
+        <p:spPr>
+          <a:xfrm>
+            <a:off x="4038600" y="6356350"/>
+            <a:ext cx="4114800" cy="365125"/>
+          </a:xfrm>
+        </p:spPr>
+        <p:txBody>
+          <a:bodyPr/>
+          <a:lstStyle/>
+          <a:p>
+            <a:r>
+              <a:rPr lang="en-US" dirty="0"/>
+              <a:t>Queen Mary University of London</a:t>
+            </a:r>
+            <a:endParaRPr lang="en-GB" dirty="0"/>
+          </a:p>
+        </p:txBody>
+      </p:sp>
+      <p:sp>
+        <p:nvSpPr>
+          <p:cNvPr id="2" name="TextBox 1">
+            <a:extLst>
+              <a:ext uri="{FF2B5EF4-FFF2-40B4-BE49-F238E27FC236}">
+                <a16:creationId xmlns:a16="http://schemas.microsoft.com/office/drawing/2014/main" id="{D363D1A4-8D1E-4ED6-8872-1AF421759F68}"/>
+              </a:ext>
+            </a:extLst>
+          </p:cNvPr>
+          <p:cNvSpPr txBox="1"/>
+          <p:nvPr/>
+        </p:nvSpPr>
+        <p:spPr>
+          <a:xfrm>
+            <a:off x="1238250" y="1556792"/>
+            <a:ext cx="3129558" cy="5539978"/>
+          </a:xfrm>
+          <a:prstGeom prst="rect">
+            <a:avLst/>
+          </a:prstGeom>
+          <a:noFill/>
+        </p:spPr>
+        <p:txBody>
+          <a:bodyPr wrap="square" rtlCol="0">
+            <a:spAutoFit/>
+          </a:bodyPr>
+          <a:lstStyle/>
+          <a:p>
             <a:r>
               <a:rPr lang="en-US" dirty="0"/>
               <a:t>Thank You.</a:t>
@@ -4526,6 +6343,36 @@
                 <a:cs typeface="Arial" panose="020B0604020202020204" pitchFamily="34" charset="0"/>
               </a:rPr>
               <a:t>Bineeta Kachhap (210619025)</a:t>
+            </a:r>
+            <a:br>
+              <a:rPr lang="en-GB" sz="1100" b="1" dirty="0"/>
+            </a:br>
+            <a:r>
+              <a:rPr lang="en-GB" sz="1100" b="1" dirty="0">
+                <a:effectLst/>
+                <a:latin typeface="Arial" panose="020B0604020202020204" pitchFamily="34" charset="0"/>
+              </a:rPr>
+              <a:t>Mokshith Kummari (210650383)</a:t>
+            </a:r>
+            <a:br>
+              <a:rPr lang="en-GB" sz="1100" b="1" dirty="0"/>
+            </a:br>
+            <a:r>
+              <a:rPr lang="en-GB" sz="1100" b="1" dirty="0">
+                <a:effectLst/>
+                <a:latin typeface="Arial" panose="020B0604020202020204" pitchFamily="34" charset="0"/>
+              </a:rPr>
+              <a:t>Krishna Sameer Kummetha (210470013)</a:t>
+            </a:r>
+            <a:br>
+              <a:rPr lang="en-GB" sz="1100" b="1" dirty="0"/>
+            </a:br>
+            <a:r>
+              <a:rPr lang="en-GB" sz="1100" b="1" dirty="0">
+                <a:effectLst/>
+                <a:latin typeface="Arial" panose="020B0604020202020204" pitchFamily="34" charset="0"/>
+              </a:rPr>
+              <a:t>Sanjay Ramesh (210811700)</a:t>
             </a:r>
             <a:endParaRPr lang="en-US" sz="1100" b="1" i="0" dirty="0">
               <a:effectLst/>
@@ -4551,7 +6398,7 @@
 </p:sld>
 </file>
 
-<file path=ppt/slides/slide12.xml><?xml version="1.0" encoding="utf-8"?>
+<file path=ppt/slides/slide14.xml><?xml version="1.0" encoding="utf-8"?>
 <p:sld xmlns:a="http://schemas.openxmlformats.org/drawingml/2006/main" xmlns:r="http://schemas.openxmlformats.org/officeDocument/2006/relationships" xmlns:p="http://schemas.openxmlformats.org/presentationml/2006/main">
   <p:cSld>
     <p:spTree>
@@ -8834,8 +10681,8 @@
         </p:nvSpPr>
         <p:spPr>
           <a:xfrm>
-            <a:off x="1238250" y="1556792"/>
-            <a:ext cx="2304256" cy="1754326"/>
+            <a:off x="1127448" y="1412776"/>
+            <a:ext cx="2304256" cy="2456442"/>
           </a:xfrm>
           <a:prstGeom prst="rect">
             <a:avLst/>
@@ -8857,51 +10704,131 @@
             <a:endParaRPr lang="en-US" dirty="0"/>
           </a:p>
           <a:p>
-            <a:pPr marL="285750" indent="-285750">
+            <a:pPr marL="298450" marR="5080" indent="-285750">
+              <a:lnSpc>
+                <a:spcPct val="106500"/>
+              </a:lnSpc>
+              <a:spcBef>
+                <a:spcPts val="100"/>
+              </a:spcBef>
               <a:buFont typeface="Arial" panose="020B0604020202020204" pitchFamily="34" charset="0"/>
               <a:buChar char="•"/>
             </a:pPr>
             <a:r>
-              <a:rPr lang="en-US" dirty="0"/>
-              <a:t>Dataset</a:t>
-            </a:r>
-          </a:p>
-          <a:p>
-            <a:pPr marL="285750" indent="-285750">
+              <a:rPr lang="en-GB" sz="1800" spc="-10" dirty="0">
+                <a:latin typeface="Calibri"/>
+                <a:cs typeface="Calibri"/>
+              </a:rPr>
+              <a:t>Dataset </a:t>
+            </a:r>
+            <a:r>
+              <a:rPr lang="en-GB" sz="1800" spc="-5" dirty="0">
+                <a:latin typeface="Calibri"/>
+                <a:cs typeface="Calibri"/>
+              </a:rPr>
+              <a:t> </a:t>
+            </a:r>
+          </a:p>
+          <a:p>
+            <a:pPr marL="298450" marR="5080" indent="-285750">
+              <a:lnSpc>
+                <a:spcPct val="106500"/>
+              </a:lnSpc>
+              <a:spcBef>
+                <a:spcPts val="100"/>
+              </a:spcBef>
               <a:buFont typeface="Arial" panose="020B0604020202020204" pitchFamily="34" charset="0"/>
               <a:buChar char="•"/>
             </a:pPr>
             <a:r>
-              <a:rPr lang="en-US" dirty="0"/>
-              <a:t>Preprocessing</a:t>
-            </a:r>
-          </a:p>
-          <a:p>
-            <a:pPr marL="285750" indent="-285750">
+              <a:rPr lang="en-GB" sz="1800" dirty="0">
+                <a:latin typeface="Calibri"/>
+                <a:cs typeface="Calibri"/>
+              </a:rPr>
+              <a:t>Pre-processing</a:t>
+            </a:r>
+            <a:endParaRPr lang="en-GB" dirty="0">
+              <a:latin typeface="Calibri"/>
+              <a:cs typeface="Calibri"/>
+            </a:endParaRPr>
+          </a:p>
+          <a:p>
+            <a:pPr marL="298450" marR="5080" indent="-285750">
+              <a:lnSpc>
+                <a:spcPct val="106500"/>
+              </a:lnSpc>
+              <a:spcBef>
+                <a:spcPts val="100"/>
+              </a:spcBef>
               <a:buFont typeface="Arial" panose="020B0604020202020204" pitchFamily="34" charset="0"/>
               <a:buChar char="•"/>
             </a:pPr>
             <a:r>
-              <a:rPr lang="en-US" dirty="0"/>
+              <a:rPr lang="en-GB" sz="1800" spc="-5" dirty="0">
+                <a:latin typeface="Calibri"/>
+                <a:cs typeface="Calibri"/>
+              </a:rPr>
               <a:t>Indexing </a:t>
             </a:r>
-          </a:p>
-          <a:p>
-            <a:pPr marL="285750" indent="-285750">
+            <a:r>
+              <a:rPr lang="en-GB" sz="1800" dirty="0">
+                <a:latin typeface="Calibri"/>
+                <a:cs typeface="Calibri"/>
+              </a:rPr>
+              <a:t> </a:t>
+            </a:r>
+          </a:p>
+          <a:p>
+            <a:pPr marL="298450" marR="5080" indent="-285750">
+              <a:lnSpc>
+                <a:spcPct val="106500"/>
+              </a:lnSpc>
+              <a:spcBef>
+                <a:spcPts val="100"/>
+              </a:spcBef>
               <a:buFont typeface="Arial" panose="020B0604020202020204" pitchFamily="34" charset="0"/>
               <a:buChar char="•"/>
             </a:pPr>
             <a:r>
-              <a:rPr lang="en-US" dirty="0"/>
+              <a:rPr lang="en-GB" sz="1800" spc="-10" dirty="0">
+                <a:latin typeface="Calibri"/>
+                <a:cs typeface="Calibri"/>
+              </a:rPr>
               <a:t>Retrieval</a:t>
             </a:r>
+          </a:p>
+          <a:p>
+            <a:pPr marL="298450" marR="5080" indent="-285750">
+              <a:lnSpc>
+                <a:spcPct val="106500"/>
+              </a:lnSpc>
+              <a:spcBef>
+                <a:spcPts val="100"/>
+              </a:spcBef>
+              <a:buFont typeface="Arial" panose="020B0604020202020204" pitchFamily="34" charset="0"/>
+              <a:buChar char="•"/>
+            </a:pPr>
+            <a:r>
+              <a:rPr lang="en-GB" spc="-10" dirty="0">
+                <a:latin typeface="Calibri"/>
+                <a:cs typeface="Calibri"/>
+              </a:rPr>
+              <a:t>Evaluation</a:t>
+            </a:r>
+            <a:endParaRPr lang="en-GB" sz="1800" dirty="0">
+              <a:latin typeface="Calibri"/>
+              <a:cs typeface="Calibri"/>
+            </a:endParaRPr>
+          </a:p>
+          <a:p>
+            <a:endParaRPr lang="en-US" dirty="0"/>
           </a:p>
         </p:txBody>
       </p:sp>
     </p:spTree>
     <p:extLst>
       <p:ext uri="{BB962C8B-B14F-4D97-AF65-F5344CB8AC3E}">
-        <p14:creationId xmlns:p14="http://schemas.microsoft.com/office/powerpoint/2010/main" val="2296681658"/>
+        <p14:creationId xmlns:p14="http://schemas.microsoft.com/office/powerpoint/2010/main" val="2152798873"/>
       </p:ext>
     </p:extLst>
   </p:cSld>
@@ -8944,7 +10871,7 @@
         </p:nvCxnSpPr>
         <p:spPr>
           <a:xfrm flipH="1">
-            <a:off x="1238250" y="1052736"/>
+            <a:off x="1238250" y="1196752"/>
             <a:ext cx="10953750" cy="0"/>
           </a:xfrm>
           <a:prstGeom prst="line">
@@ -9007,10 +10934,10 @@
       </p:sp>
       <p:sp>
         <p:nvSpPr>
-          <p:cNvPr id="8" name="TextBox 7">
-            <a:extLst>
-              <a:ext uri="{FF2B5EF4-FFF2-40B4-BE49-F238E27FC236}">
-                <a16:creationId xmlns:a16="http://schemas.microsoft.com/office/drawing/2014/main" id="{EE568E31-E1D7-430E-95C3-8E9D87EEAA28}"/>
+          <p:cNvPr id="7" name="TextBox 6">
+            <a:extLst>
+              <a:ext uri="{FF2B5EF4-FFF2-40B4-BE49-F238E27FC236}">
+                <a16:creationId xmlns:a16="http://schemas.microsoft.com/office/drawing/2014/main" id="{F5ED60B8-6DB4-4825-946E-156258D06F9E}"/>
               </a:ext>
             </a:extLst>
           </p:cNvPr>
@@ -9019,8 +10946,8 @@
         </p:nvSpPr>
         <p:spPr>
           <a:xfrm>
-            <a:off x="1127448" y="548680"/>
-            <a:ext cx="10163369" cy="407035"/>
+            <a:off x="1238250" y="692696"/>
+            <a:ext cx="6101860" cy="375552"/>
           </a:xfrm>
           <a:prstGeom prst="rect">
             <a:avLst/>
@@ -9042,7 +10969,7 @@
               </a:spcBef>
             </a:pPr>
             <a:r>
-              <a:rPr lang="en-GB" sz="2000" b="1" u="sng" kern="0" dirty="0">
+              <a:rPr lang="en-GB" sz="1800" b="1" u="sng" kern="0" dirty="0">
                 <a:solidFill>
                   <a:srgbClr val="2F5496"/>
                 </a:solidFill>
@@ -9051,9 +10978,9 @@
                 <a:ea typeface="Times New Roman" panose="02020603050405020304" pitchFamily="18" charset="0"/>
                 <a:cs typeface="Times New Roman" panose="02020603050405020304" pitchFamily="18" charset="0"/>
               </a:rPr>
-              <a:t>ISSUES FACED</a:t>
-            </a:r>
-            <a:endParaRPr lang="en-GB" sz="2000" b="1" kern="0" dirty="0">
+              <a:t>EVALUATION</a:t>
+            </a:r>
+            <a:endParaRPr lang="en-GB" sz="1800" b="1" kern="0" dirty="0">
               <a:solidFill>
                 <a:srgbClr val="2F5496"/>
               </a:solidFill>
@@ -9067,10 +10994,10 @@
       </p:sp>
       <p:sp>
         <p:nvSpPr>
-          <p:cNvPr id="9" name="TextBox 8">
-            <a:extLst>
-              <a:ext uri="{FF2B5EF4-FFF2-40B4-BE49-F238E27FC236}">
-                <a16:creationId xmlns:a16="http://schemas.microsoft.com/office/drawing/2014/main" id="{5F7283D8-208B-4370-99FA-2C59846FF870}"/>
+          <p:cNvPr id="8" name="TextBox 7">
+            <a:extLst>
+              <a:ext uri="{FF2B5EF4-FFF2-40B4-BE49-F238E27FC236}">
+                <a16:creationId xmlns:a16="http://schemas.microsoft.com/office/drawing/2014/main" id="{6ED64BCB-6B00-4866-90F5-36A2C865727F}"/>
               </a:ext>
             </a:extLst>
           </p:cNvPr>
@@ -9079,8 +11006,8 @@
         </p:nvSpPr>
         <p:spPr>
           <a:xfrm>
-            <a:off x="1127448" y="1171756"/>
-            <a:ext cx="10163369" cy="3970318"/>
+            <a:off x="1238250" y="1484784"/>
+            <a:ext cx="5073774" cy="4734309"/>
           </a:xfrm>
           <a:prstGeom prst="rect">
             <a:avLst/>
@@ -9093,147 +11020,656 @@
           </a:bodyPr>
           <a:lstStyle/>
           <a:p>
-            <a:pPr marL="538163" lvl="0" indent="-252413" algn="just">
+            <a:pPr marL="342900" indent="-342900" algn="just">
+              <a:lnSpc>
+                <a:spcPct val="107000"/>
+              </a:lnSpc>
+              <a:spcBef>
+                <a:spcPts val="1200"/>
+              </a:spcBef>
               <a:buFont typeface="Arial" panose="020B0604020202020204" pitchFamily="34" charset="0"/>
               <a:buChar char="•"/>
             </a:pPr>
             <a:r>
-              <a:rPr lang="en-US" b="1" kern="0" dirty="0">
-                <a:effectLst/>
-                <a:ea typeface="Times New Roman" panose="02020603050405020304" pitchFamily="18" charset="0"/>
-                <a:cs typeface="Times New Roman" panose="02020603050405020304" pitchFamily="18" charset="0"/>
-              </a:rPr>
-              <a:t>Storage</a:t>
-            </a:r>
-            <a:r>
-              <a:rPr lang="en-US" kern="0" dirty="0">
-                <a:effectLst/>
-                <a:ea typeface="Times New Roman" panose="02020603050405020304" pitchFamily="18" charset="0"/>
-                <a:cs typeface="Times New Roman" panose="02020603050405020304" pitchFamily="18" charset="0"/>
-              </a:rPr>
-              <a:t>: The initial dataset .tar collected was of 10GB. expectation was that the unzipped data might be around 40-50 GB but it was  100GB.</a:t>
-            </a:r>
-          </a:p>
-          <a:p>
-            <a:pPr marL="538163" lvl="0" indent="-252413" algn="just">
+              <a:rPr lang="en-US" sz="2000" b="1" spc="-10" dirty="0">
+                <a:latin typeface="Calibri"/>
+                <a:cs typeface="Calibri"/>
+              </a:rPr>
+              <a:t>Precision </a:t>
+            </a:r>
+            <a:r>
+              <a:rPr lang="en-US" sz="1800" dirty="0">
+                <a:latin typeface="Calibri"/>
+                <a:cs typeface="Calibri"/>
+              </a:rPr>
+              <a:t>: </a:t>
+            </a:r>
+            <a:r>
+              <a:rPr lang="en-US" sz="1800" spc="-5" dirty="0">
+                <a:latin typeface="Calibri"/>
+                <a:cs typeface="Calibri"/>
+              </a:rPr>
+              <a:t>Basically, </a:t>
+            </a:r>
+            <a:r>
+              <a:rPr lang="en-US" sz="1800" dirty="0">
+                <a:latin typeface="Calibri"/>
+                <a:cs typeface="Calibri"/>
+              </a:rPr>
+              <a:t>this </a:t>
+            </a:r>
+            <a:r>
+              <a:rPr lang="en-US" sz="1800" spc="-5" dirty="0">
+                <a:latin typeface="Calibri"/>
+                <a:cs typeface="Calibri"/>
+              </a:rPr>
+              <a:t>metric quantifies how </a:t>
+            </a:r>
+            <a:r>
+              <a:rPr lang="en-US" sz="1800" dirty="0">
+                <a:latin typeface="Calibri"/>
+                <a:cs typeface="Calibri"/>
+              </a:rPr>
+              <a:t> </a:t>
+            </a:r>
+            <a:r>
+              <a:rPr lang="en-US" sz="1800" spc="-10" dirty="0">
+                <a:latin typeface="Calibri"/>
+                <a:cs typeface="Calibri"/>
+              </a:rPr>
+              <a:t>many items</a:t>
+            </a:r>
+            <a:r>
+              <a:rPr lang="en-US" sz="1800" spc="-5" dirty="0">
+                <a:latin typeface="Calibri"/>
+                <a:cs typeface="Calibri"/>
+              </a:rPr>
+              <a:t> </a:t>
+            </a:r>
+            <a:r>
+              <a:rPr lang="en-US" sz="1800" dirty="0">
+                <a:latin typeface="Calibri"/>
+                <a:cs typeface="Calibri"/>
+              </a:rPr>
+              <a:t>in</a:t>
+            </a:r>
+            <a:r>
+              <a:rPr lang="en-US" sz="1800" spc="-5" dirty="0">
+                <a:latin typeface="Calibri"/>
+                <a:cs typeface="Calibri"/>
+              </a:rPr>
+              <a:t> </a:t>
+            </a:r>
+            <a:r>
+              <a:rPr lang="en-US" sz="1800" dirty="0">
+                <a:latin typeface="Calibri"/>
+                <a:cs typeface="Calibri"/>
+              </a:rPr>
+              <a:t>the</a:t>
+            </a:r>
+            <a:r>
+              <a:rPr lang="en-US" sz="1800" spc="-5" dirty="0">
+                <a:latin typeface="Calibri"/>
+                <a:cs typeface="Calibri"/>
+              </a:rPr>
+              <a:t> top-K results </a:t>
+            </a:r>
+            <a:r>
+              <a:rPr lang="en-US" sz="1800" spc="-15" dirty="0">
+                <a:latin typeface="Calibri"/>
+                <a:cs typeface="Calibri"/>
+              </a:rPr>
+              <a:t>were</a:t>
+            </a:r>
+            <a:r>
+              <a:rPr lang="en-US" sz="1800" spc="-5" dirty="0">
+                <a:latin typeface="Calibri"/>
+                <a:cs typeface="Calibri"/>
+              </a:rPr>
+              <a:t> </a:t>
+            </a:r>
+            <a:r>
+              <a:rPr lang="en-US" sz="1800" spc="-10" dirty="0">
+                <a:latin typeface="Calibri"/>
+                <a:cs typeface="Calibri"/>
+              </a:rPr>
+              <a:t>relevant. </a:t>
+            </a:r>
+            <a:r>
+              <a:rPr lang="en-US" sz="1800" spc="-5" dirty="0">
+                <a:latin typeface="Calibri"/>
+                <a:cs typeface="Calibri"/>
+              </a:rPr>
+              <a:t> </a:t>
+            </a:r>
+            <a:r>
+              <a:rPr lang="en-US" sz="1800" spc="-15" dirty="0">
+                <a:latin typeface="Calibri"/>
+                <a:cs typeface="Calibri"/>
+              </a:rPr>
+              <a:t>Mathematically,</a:t>
+            </a:r>
+            <a:r>
+              <a:rPr lang="en-US" sz="1800" spc="-5" dirty="0">
+                <a:latin typeface="Calibri"/>
+                <a:cs typeface="Calibri"/>
+              </a:rPr>
+              <a:t> precision</a:t>
+            </a:r>
+            <a:r>
+              <a:rPr lang="en-US" sz="1800" dirty="0">
+                <a:latin typeface="Calibri"/>
+                <a:cs typeface="Calibri"/>
+              </a:rPr>
+              <a:t> the</a:t>
+            </a:r>
+            <a:r>
+              <a:rPr lang="en-US" sz="1800" spc="-5" dirty="0">
+                <a:latin typeface="Calibri"/>
+                <a:cs typeface="Calibri"/>
+              </a:rPr>
+              <a:t> number</a:t>
+            </a:r>
+            <a:r>
+              <a:rPr lang="en-US" sz="1800" dirty="0">
+                <a:latin typeface="Calibri"/>
+                <a:cs typeface="Calibri"/>
+              </a:rPr>
+              <a:t> </a:t>
+            </a:r>
+            <a:r>
+              <a:rPr lang="en-US" sz="1800" spc="-5" dirty="0">
+                <a:latin typeface="Calibri"/>
+                <a:cs typeface="Calibri"/>
+              </a:rPr>
+              <a:t>of true </a:t>
+            </a:r>
+            <a:r>
+              <a:rPr lang="en-US" sz="1800" dirty="0">
+                <a:latin typeface="Calibri"/>
+                <a:cs typeface="Calibri"/>
+              </a:rPr>
+              <a:t> </a:t>
+            </a:r>
+            <a:r>
+              <a:rPr lang="en-US" sz="1800" spc="-5" dirty="0">
+                <a:latin typeface="Calibri"/>
+                <a:cs typeface="Calibri"/>
+              </a:rPr>
+              <a:t>positives </a:t>
+            </a:r>
+            <a:r>
+              <a:rPr lang="en-US" sz="1800" dirty="0">
+                <a:latin typeface="Calibri"/>
+                <a:cs typeface="Calibri"/>
+              </a:rPr>
+              <a:t>divided </a:t>
+            </a:r>
+            <a:r>
+              <a:rPr lang="en-US" sz="1800" spc="-5" dirty="0">
+                <a:latin typeface="Calibri"/>
+                <a:cs typeface="Calibri"/>
+              </a:rPr>
+              <a:t>by </a:t>
+            </a:r>
+            <a:r>
+              <a:rPr lang="en-US" sz="1800" dirty="0">
+                <a:latin typeface="Calibri"/>
+                <a:cs typeface="Calibri"/>
+              </a:rPr>
+              <a:t>the </a:t>
+            </a:r>
+            <a:r>
+              <a:rPr lang="en-US" sz="1800" spc="-5" dirty="0">
+                <a:latin typeface="Calibri"/>
+                <a:cs typeface="Calibri"/>
+              </a:rPr>
+              <a:t>number of</a:t>
+            </a:r>
+            <a:r>
+              <a:rPr lang="en-US" sz="1800" dirty="0">
+                <a:latin typeface="Calibri"/>
+                <a:cs typeface="Calibri"/>
+              </a:rPr>
+              <a:t> </a:t>
+            </a:r>
+            <a:r>
+              <a:rPr lang="en-US" sz="1800" spc="-5" dirty="0">
+                <a:latin typeface="Calibri"/>
+                <a:cs typeface="Calibri"/>
+              </a:rPr>
+              <a:t>true</a:t>
+            </a:r>
+            <a:r>
+              <a:rPr lang="en-US" sz="1800" dirty="0">
+                <a:latin typeface="Calibri"/>
+                <a:cs typeface="Calibri"/>
+              </a:rPr>
+              <a:t> </a:t>
+            </a:r>
+            <a:r>
+              <a:rPr lang="en-US" sz="1800" spc="-5" dirty="0">
+                <a:latin typeface="Calibri"/>
+                <a:cs typeface="Calibri"/>
+              </a:rPr>
+              <a:t>positives </a:t>
+            </a:r>
+            <a:r>
+              <a:rPr lang="en-US" sz="1800" spc="-415" dirty="0">
+                <a:latin typeface="Calibri"/>
+                <a:cs typeface="Calibri"/>
+              </a:rPr>
+              <a:t> </a:t>
+            </a:r>
+            <a:r>
+              <a:rPr lang="en-US" sz="1800" dirty="0">
+                <a:latin typeface="Calibri"/>
+                <a:cs typeface="Calibri"/>
+              </a:rPr>
+              <a:t>plus</a:t>
+            </a:r>
+            <a:r>
+              <a:rPr lang="en-US" sz="1800" spc="-5" dirty="0">
+                <a:latin typeface="Calibri"/>
+                <a:cs typeface="Calibri"/>
+              </a:rPr>
+              <a:t> </a:t>
+            </a:r>
+            <a:r>
+              <a:rPr lang="en-US" sz="1800" dirty="0">
+                <a:latin typeface="Calibri"/>
+                <a:cs typeface="Calibri"/>
+              </a:rPr>
+              <a:t>the </a:t>
+            </a:r>
+            <a:r>
+              <a:rPr lang="en-US" sz="1800" spc="-5" dirty="0">
+                <a:latin typeface="Calibri"/>
+                <a:cs typeface="Calibri"/>
+              </a:rPr>
+              <a:t>number</a:t>
+            </a:r>
+            <a:r>
+              <a:rPr lang="en-US" sz="1800" dirty="0">
+                <a:latin typeface="Calibri"/>
+                <a:cs typeface="Calibri"/>
+              </a:rPr>
+              <a:t> </a:t>
+            </a:r>
+            <a:r>
+              <a:rPr lang="en-US" sz="1800" spc="-5" dirty="0">
+                <a:latin typeface="Calibri"/>
+                <a:cs typeface="Calibri"/>
+              </a:rPr>
+              <a:t>of</a:t>
+            </a:r>
+            <a:r>
+              <a:rPr lang="en-US" sz="1800" dirty="0">
+                <a:latin typeface="Calibri"/>
+                <a:cs typeface="Calibri"/>
+              </a:rPr>
+              <a:t> </a:t>
+            </a:r>
+            <a:r>
+              <a:rPr lang="en-US" sz="1800" spc="-10" dirty="0">
+                <a:latin typeface="Calibri"/>
+                <a:cs typeface="Calibri"/>
+              </a:rPr>
+              <a:t>false</a:t>
+            </a:r>
+            <a:r>
+              <a:rPr lang="en-US" sz="1800" spc="-5" dirty="0">
+                <a:latin typeface="Calibri"/>
+                <a:cs typeface="Calibri"/>
+              </a:rPr>
+              <a:t> positives.</a:t>
+            </a:r>
+            <a:endParaRPr lang="en-US" sz="1800" dirty="0">
+              <a:latin typeface="Calibri"/>
+              <a:cs typeface="Calibri"/>
+            </a:endParaRPr>
+          </a:p>
+          <a:p>
+            <a:pPr marL="285750" lvl="0" indent="-285750" algn="just">
+              <a:lnSpc>
+                <a:spcPct val="107000"/>
+              </a:lnSpc>
+              <a:spcBef>
+                <a:spcPts val="1200"/>
+              </a:spcBef>
               <a:buFont typeface="Arial" panose="020B0604020202020204" pitchFamily="34" charset="0"/>
               <a:buChar char="•"/>
             </a:pPr>
-            <a:r>
-              <a:rPr lang="en-US" b="1" kern="0" dirty="0">
-                <a:ea typeface="Times New Roman" panose="02020603050405020304" pitchFamily="18" charset="0"/>
-                <a:cs typeface="Times New Roman" panose="02020603050405020304" pitchFamily="18" charset="0"/>
-              </a:rPr>
-              <a:t>Processing Unit</a:t>
-            </a:r>
-            <a:r>
-              <a:rPr lang="en-US" kern="0" dirty="0">
-                <a:ea typeface="Times New Roman" panose="02020603050405020304" pitchFamily="18" charset="0"/>
-                <a:cs typeface="Times New Roman" panose="02020603050405020304" pitchFamily="18" charset="0"/>
-              </a:rPr>
-              <a:t>: To process 100 GB of data the </a:t>
-            </a:r>
-            <a:r>
-              <a:rPr lang="en-US" kern="0" dirty="0" err="1">
-                <a:ea typeface="Times New Roman" panose="02020603050405020304" pitchFamily="18" charset="0"/>
-                <a:cs typeface="Times New Roman" panose="02020603050405020304" pitchFamily="18" charset="0"/>
-              </a:rPr>
-              <a:t>colab</a:t>
-            </a:r>
-            <a:r>
-              <a:rPr lang="en-US" kern="0" dirty="0">
-                <a:ea typeface="Times New Roman" panose="02020603050405020304" pitchFamily="18" charset="0"/>
-                <a:cs typeface="Times New Roman" panose="02020603050405020304" pitchFamily="18" charset="0"/>
-              </a:rPr>
-              <a:t> was unreliable as we had to parallel process the data.</a:t>
-            </a:r>
-          </a:p>
-          <a:p>
-            <a:pPr marL="538163" lvl="0" indent="-252413" algn="just">
+            <a:endParaRPr lang="en-GB" sz="1800" b="1" kern="0" dirty="0">
+              <a:solidFill>
+                <a:srgbClr val="2F5496"/>
+              </a:solidFill>
+              <a:effectLst/>
+              <a:latin typeface="Calibri Light" panose="020F0302020204030204" pitchFamily="34" charset="0"/>
+              <a:ea typeface="Times New Roman" panose="02020603050405020304" pitchFamily="18" charset="0"/>
+              <a:cs typeface="Times New Roman" panose="02020603050405020304" pitchFamily="18" charset="0"/>
+            </a:endParaRPr>
+          </a:p>
+          <a:p>
+            <a:pPr marL="285750" lvl="0" indent="-285750" algn="just">
+              <a:lnSpc>
+                <a:spcPct val="107000"/>
+              </a:lnSpc>
+              <a:spcBef>
+                <a:spcPts val="1200"/>
+              </a:spcBef>
               <a:buFont typeface="Arial" panose="020B0604020202020204" pitchFamily="34" charset="0"/>
               <a:buChar char="•"/>
             </a:pPr>
-            <a:r>
-              <a:rPr lang="en-US" b="1" kern="0" dirty="0" err="1">
-                <a:ea typeface="Times New Roman" panose="02020603050405020304" pitchFamily="18" charset="0"/>
-                <a:cs typeface="Times New Roman" panose="02020603050405020304" pitchFamily="18" charset="0"/>
-              </a:rPr>
-              <a:t>pyLucene</a:t>
-            </a:r>
-            <a:r>
-              <a:rPr lang="en-US" kern="0" dirty="0">
-                <a:ea typeface="Times New Roman" panose="02020603050405020304" pitchFamily="18" charset="0"/>
-                <a:cs typeface="Times New Roman" panose="02020603050405020304" pitchFamily="18" charset="0"/>
-              </a:rPr>
-              <a:t>:  The initial plan was to build the project in python, but PyLucene uses wrapper class to access Java Lucene-Core, hence the project was moved to Java based implementation.</a:t>
-            </a:r>
-          </a:p>
-          <a:p>
-            <a:pPr marL="538163" lvl="0" indent="-252413" algn="just">
+            <a:endParaRPr lang="en-GB" b="1" kern="0" dirty="0">
+              <a:solidFill>
+                <a:srgbClr val="2F5496"/>
+              </a:solidFill>
+              <a:latin typeface="Calibri Light" panose="020F0302020204030204" pitchFamily="34" charset="0"/>
+              <a:ea typeface="Times New Roman" panose="02020603050405020304" pitchFamily="18" charset="0"/>
+              <a:cs typeface="Times New Roman" panose="02020603050405020304" pitchFamily="18" charset="0"/>
+            </a:endParaRPr>
+          </a:p>
+          <a:p>
+            <a:pPr marL="285750" lvl="0" indent="-285750" algn="just">
+              <a:lnSpc>
+                <a:spcPct val="107000"/>
+              </a:lnSpc>
+              <a:spcBef>
+                <a:spcPts val="1200"/>
+              </a:spcBef>
               <a:buFont typeface="Arial" panose="020B0604020202020204" pitchFamily="34" charset="0"/>
               <a:buChar char="•"/>
             </a:pPr>
-            <a:r>
-              <a:rPr lang="en-US" b="1" kern="0" dirty="0">
-                <a:ea typeface="Times New Roman" panose="02020603050405020304" pitchFamily="18" charset="0"/>
-                <a:cs typeface="Times New Roman" panose="02020603050405020304" pitchFamily="18" charset="0"/>
-              </a:rPr>
-              <a:t>Indexing</a:t>
-            </a:r>
-            <a:r>
-              <a:rPr lang="en-US" kern="0" dirty="0">
-                <a:ea typeface="Times New Roman" panose="02020603050405020304" pitchFamily="18" charset="0"/>
-                <a:cs typeface="Times New Roman" panose="02020603050405020304" pitchFamily="18" charset="0"/>
-              </a:rPr>
-              <a:t>: One of the document file had details missing, hence had to re-work on Indexing framework to understand the data. Multiple Analyzer were tested to get the relevant document which led to repeated execution of the framework. </a:t>
-            </a:r>
-          </a:p>
-          <a:p>
-            <a:pPr marL="538163" lvl="0" indent="-252413" algn="just">
+            <a:endParaRPr lang="en-GB" sz="1800" b="1" kern="0" dirty="0">
+              <a:solidFill>
+                <a:srgbClr val="2F5496"/>
+              </a:solidFill>
+              <a:effectLst/>
+              <a:latin typeface="Calibri Light" panose="020F0302020204030204" pitchFamily="34" charset="0"/>
+              <a:ea typeface="Times New Roman" panose="02020603050405020304" pitchFamily="18" charset="0"/>
+              <a:cs typeface="Times New Roman" panose="02020603050405020304" pitchFamily="18" charset="0"/>
+            </a:endParaRPr>
+          </a:p>
+          <a:p>
+            <a:pPr marL="285750" indent="-285750" algn="just">
+              <a:lnSpc>
+                <a:spcPct val="107000"/>
+              </a:lnSpc>
+              <a:spcBef>
+                <a:spcPts val="1200"/>
+              </a:spcBef>
               <a:buFont typeface="Arial" panose="020B0604020202020204" pitchFamily="34" charset="0"/>
               <a:buChar char="•"/>
             </a:pPr>
             <a:r>
-              <a:rPr lang="en-US" b="1" kern="0" dirty="0">
-                <a:ea typeface="Times New Roman" panose="02020603050405020304" pitchFamily="18" charset="0"/>
-                <a:cs typeface="Times New Roman" panose="02020603050405020304" pitchFamily="18" charset="0"/>
-              </a:rPr>
-              <a:t>Lucene Library</a:t>
-            </a:r>
-            <a:r>
-              <a:rPr lang="en-US" kern="0" dirty="0">
-                <a:ea typeface="Times New Roman" panose="02020603050405020304" pitchFamily="18" charset="0"/>
-                <a:cs typeface="Times New Roman" panose="02020603050405020304" pitchFamily="18" charset="0"/>
-              </a:rPr>
-              <a:t>: Few APIs and classes are now deprecated in Lucene 9.1.0, throughout the development process learnt the latest library feature.</a:t>
-            </a:r>
-          </a:p>
-          <a:p>
-            <a:pPr marL="538163" lvl="0" indent="-252413" algn="just">
-              <a:buFont typeface="Arial" panose="020B0604020202020204" pitchFamily="34" charset="0"/>
-              <a:buChar char="•"/>
+              <a:rPr lang="en-US" sz="1800" dirty="0">
+                <a:latin typeface="Calibri"/>
+                <a:cs typeface="Calibri"/>
+              </a:rPr>
+              <a:t>In</a:t>
+            </a:r>
+            <a:r>
+              <a:rPr lang="en-US" sz="1800" spc="-5" dirty="0">
+                <a:latin typeface="Calibri"/>
+                <a:cs typeface="Calibri"/>
+              </a:rPr>
+              <a:t> our</a:t>
+            </a:r>
+            <a:r>
+              <a:rPr lang="en-US" sz="1800" dirty="0">
+                <a:latin typeface="Calibri"/>
+                <a:cs typeface="Calibri"/>
+              </a:rPr>
+              <a:t> </a:t>
+            </a:r>
+            <a:r>
+              <a:rPr lang="en-US" sz="1800" spc="-5" dirty="0">
+                <a:latin typeface="Calibri"/>
+                <a:cs typeface="Calibri"/>
+              </a:rPr>
+              <a:t>case </a:t>
+            </a:r>
+            <a:r>
+              <a:rPr lang="en-US" sz="1800" dirty="0">
+                <a:latin typeface="Calibri"/>
+                <a:cs typeface="Calibri"/>
+              </a:rPr>
+              <a:t>the </a:t>
+            </a:r>
+            <a:r>
+              <a:rPr lang="en-US" sz="1800" spc="-35" dirty="0">
+                <a:latin typeface="Calibri"/>
+                <a:cs typeface="Calibri"/>
+              </a:rPr>
+              <a:t>True</a:t>
+            </a:r>
+            <a:r>
+              <a:rPr lang="en-US" sz="1800" spc="-5" dirty="0">
+                <a:latin typeface="Calibri"/>
+                <a:cs typeface="Calibri"/>
+              </a:rPr>
+              <a:t> positive</a:t>
+            </a:r>
+            <a:r>
+              <a:rPr lang="en-US" sz="1800" dirty="0">
+                <a:latin typeface="Calibri"/>
+                <a:cs typeface="Calibri"/>
+              </a:rPr>
+              <a:t> is the</a:t>
+            </a:r>
+            <a:r>
+              <a:rPr lang="en-US" sz="1800" spc="-5" dirty="0">
+                <a:latin typeface="Calibri"/>
+                <a:cs typeface="Calibri"/>
+              </a:rPr>
+              <a:t> number</a:t>
+            </a:r>
+            <a:r>
+              <a:rPr lang="en-US" sz="1800" dirty="0">
+                <a:latin typeface="Calibri"/>
+                <a:cs typeface="Calibri"/>
+              </a:rPr>
+              <a:t> </a:t>
+            </a:r>
+            <a:r>
+              <a:rPr lang="en-US" sz="1800" spc="-5" dirty="0">
+                <a:latin typeface="Calibri"/>
+                <a:cs typeface="Calibri"/>
+              </a:rPr>
+              <a:t>of </a:t>
+            </a:r>
+            <a:r>
+              <a:rPr lang="en-US" sz="1800" dirty="0">
+                <a:latin typeface="Calibri"/>
+                <a:cs typeface="Calibri"/>
+              </a:rPr>
+              <a:t> </a:t>
+            </a:r>
+            <a:r>
+              <a:rPr lang="en-US" sz="1800" spc="-15" dirty="0">
+                <a:latin typeface="Calibri"/>
+                <a:cs typeface="Calibri"/>
+              </a:rPr>
+              <a:t>relevant</a:t>
+            </a:r>
+            <a:r>
+              <a:rPr lang="en-US" sz="1800" spc="-5" dirty="0">
+                <a:latin typeface="Calibri"/>
+                <a:cs typeface="Calibri"/>
+              </a:rPr>
+              <a:t> documents </a:t>
+            </a:r>
+            <a:r>
+              <a:rPr lang="en-US" sz="1800" spc="-10" dirty="0">
+                <a:latin typeface="Calibri"/>
+                <a:cs typeface="Calibri"/>
+              </a:rPr>
+              <a:t>retrieved</a:t>
+            </a:r>
+            <a:r>
+              <a:rPr lang="en-US" sz="1800" dirty="0">
+                <a:latin typeface="Calibri"/>
+                <a:cs typeface="Calibri"/>
+              </a:rPr>
+              <a:t> and</a:t>
+            </a:r>
+            <a:r>
+              <a:rPr lang="en-US" sz="1800" spc="-5" dirty="0">
+                <a:latin typeface="Calibri"/>
+                <a:cs typeface="Calibri"/>
+              </a:rPr>
+              <a:t> </a:t>
+            </a:r>
+            <a:r>
+              <a:rPr lang="en-US" sz="1800" spc="-10" dirty="0">
+                <a:latin typeface="Calibri"/>
+                <a:cs typeface="Calibri"/>
+              </a:rPr>
+              <a:t>false</a:t>
+            </a:r>
+            <a:r>
+              <a:rPr lang="en-US" sz="1800" dirty="0">
+                <a:latin typeface="Calibri"/>
+                <a:cs typeface="Calibri"/>
+              </a:rPr>
+              <a:t> </a:t>
+            </a:r>
+            <a:r>
+              <a:rPr lang="en-US" sz="1800" spc="-5" dirty="0">
+                <a:latin typeface="Calibri"/>
+                <a:cs typeface="Calibri"/>
+              </a:rPr>
+              <a:t>positives </a:t>
+            </a:r>
+            <a:r>
+              <a:rPr lang="en-US" sz="1800" spc="-415" dirty="0">
+                <a:latin typeface="Calibri"/>
+                <a:cs typeface="Calibri"/>
+              </a:rPr>
+              <a:t> </a:t>
+            </a:r>
+            <a:r>
+              <a:rPr lang="en-US" sz="1800" spc="-10" dirty="0">
+                <a:latin typeface="Calibri"/>
+                <a:cs typeface="Calibri"/>
+              </a:rPr>
+              <a:t>are</a:t>
+            </a:r>
+            <a:r>
+              <a:rPr lang="en-US" sz="1800" spc="-5" dirty="0">
+                <a:latin typeface="Calibri"/>
+                <a:cs typeface="Calibri"/>
+              </a:rPr>
+              <a:t> </a:t>
+            </a:r>
+            <a:r>
+              <a:rPr lang="en-US" sz="1800" dirty="0">
+                <a:latin typeface="Calibri"/>
+                <a:cs typeface="Calibri"/>
+              </a:rPr>
+              <a:t>the </a:t>
+            </a:r>
+            <a:r>
+              <a:rPr lang="en-US" sz="1800" spc="-5" dirty="0">
+                <a:latin typeface="Calibri"/>
+                <a:cs typeface="Calibri"/>
+              </a:rPr>
+              <a:t>number of</a:t>
+            </a:r>
+            <a:r>
+              <a:rPr lang="en-US" sz="1800" dirty="0">
+                <a:latin typeface="Calibri"/>
+                <a:cs typeface="Calibri"/>
+              </a:rPr>
+              <a:t> </a:t>
+            </a:r>
+            <a:r>
+              <a:rPr lang="en-US" sz="1800" spc="-10" dirty="0">
+                <a:latin typeface="Calibri"/>
+                <a:cs typeface="Calibri"/>
+              </a:rPr>
+              <a:t>non-relevant</a:t>
+            </a:r>
+            <a:r>
+              <a:rPr lang="en-US" sz="1800" spc="-5" dirty="0">
+                <a:latin typeface="Calibri"/>
+                <a:cs typeface="Calibri"/>
+              </a:rPr>
+              <a:t> documents </a:t>
+            </a:r>
+            <a:r>
+              <a:rPr lang="en-US" sz="1800" dirty="0">
+                <a:latin typeface="Calibri"/>
+                <a:cs typeface="Calibri"/>
+              </a:rPr>
+              <a:t> </a:t>
+            </a:r>
+            <a:r>
+              <a:rPr lang="en-US" sz="1800" spc="-10" dirty="0">
+                <a:latin typeface="Calibri"/>
+                <a:cs typeface="Calibri"/>
+              </a:rPr>
+              <a:t>retrieved.</a:t>
+            </a:r>
+            <a:endParaRPr lang="en-US" sz="1800" dirty="0">
+              <a:latin typeface="Calibri"/>
+              <a:cs typeface="Calibri"/>
+            </a:endParaRPr>
+          </a:p>
+          <a:p>
+            <a:pPr lvl="0" algn="just">
+              <a:lnSpc>
+                <a:spcPct val="107000"/>
+              </a:lnSpc>
+              <a:spcBef>
+                <a:spcPts val="1200"/>
+              </a:spcBef>
             </a:pPr>
-            <a:r>
-              <a:rPr lang="en-US" b="1" kern="0" dirty="0">
-                <a:ea typeface="Times New Roman" panose="02020603050405020304" pitchFamily="18" charset="0"/>
-                <a:cs typeface="Times New Roman" panose="02020603050405020304" pitchFamily="18" charset="0"/>
-              </a:rPr>
-              <a:t>Searching / Retrieval</a:t>
-            </a:r>
-            <a:r>
-              <a:rPr lang="en-US" kern="0" dirty="0">
-                <a:ea typeface="Times New Roman" panose="02020603050405020304" pitchFamily="18" charset="0"/>
-                <a:cs typeface="Times New Roman" panose="02020603050405020304" pitchFamily="18" charset="0"/>
-              </a:rPr>
-              <a:t>: Though the retrieval process result in document with the ranking score. the framework doesn’t not give correct list of relevant document. Further analysis needs to be done to understand</a:t>
-            </a:r>
-          </a:p>
-        </p:txBody>
-      </p:sp>
+            <a:endParaRPr lang="en-GB" sz="1800" b="1" kern="0" dirty="0">
+              <a:solidFill>
+                <a:srgbClr val="2F5496"/>
+              </a:solidFill>
+              <a:effectLst/>
+              <a:latin typeface="Calibri Light" panose="020F0302020204030204" pitchFamily="34" charset="0"/>
+              <a:ea typeface="Times New Roman" panose="02020603050405020304" pitchFamily="18" charset="0"/>
+              <a:cs typeface="Times New Roman" panose="02020603050405020304" pitchFamily="18" charset="0"/>
+            </a:endParaRPr>
+          </a:p>
+        </p:txBody>
+      </p:sp>
+      <p:pic>
+        <p:nvPicPr>
+          <p:cNvPr id="9" name="object 20">
+            <a:extLst>
+              <a:ext uri="{FF2B5EF4-FFF2-40B4-BE49-F238E27FC236}">
+                <a16:creationId xmlns:a16="http://schemas.microsoft.com/office/drawing/2014/main" id="{E80B9C38-7C83-46D8-9900-B373FF6C5DA7}"/>
+              </a:ext>
+            </a:extLst>
+          </p:cNvPr>
+          <p:cNvPicPr/>
+          <p:nvPr/>
+        </p:nvPicPr>
+        <p:blipFill>
+          <a:blip r:embed="rId2" cstate="print"/>
+          <a:stretch>
+            <a:fillRect/>
+          </a:stretch>
+        </p:blipFill>
+        <p:spPr>
+          <a:xfrm>
+            <a:off x="1703512" y="3192341"/>
+            <a:ext cx="9647870" cy="911411"/>
+          </a:xfrm>
+          <a:prstGeom prst="rect">
+            <a:avLst/>
+          </a:prstGeom>
+        </p:spPr>
+      </p:pic>
     </p:spTree>
     <p:extLst>
       <p:ext uri="{BB962C8B-B14F-4D97-AF65-F5344CB8AC3E}">
-        <p14:creationId xmlns:p14="http://schemas.microsoft.com/office/powerpoint/2010/main" val="4255466750"/>
+        <p14:creationId xmlns:p14="http://schemas.microsoft.com/office/powerpoint/2010/main" val="620221941"/>
       </p:ext>
     </p:extLst>
   </p:cSld>
